--- a/7. Hierarchical_trees/20220120_Hierarchical_structure_in_financial_market.pptx
+++ b/7. Hierarchical_trees/20220120_Hierarchical_structure_in_financial_market.pptx
@@ -5,7 +5,7 @@
     <p:sldMasterId id="2147483648" r:id="rId1"/>
   </p:sldMasterIdLst>
   <p:notesMasterIdLst>
-    <p:notesMasterId r:id="rId18"/>
+    <p:notesMasterId r:id="rId15"/>
   </p:notesMasterIdLst>
   <p:sldIdLst>
     <p:sldId id="278" r:id="rId2"/>
@@ -21,9 +21,6 @@
     <p:sldId id="311" r:id="rId12"/>
     <p:sldId id="312" r:id="rId13"/>
     <p:sldId id="313" r:id="rId14"/>
-    <p:sldId id="318" r:id="rId15"/>
-    <p:sldId id="316" r:id="rId16"/>
-    <p:sldId id="317" r:id="rId17"/>
   </p:sldIdLst>
   <p:sldSz cx="12192000" cy="6858000"/>
   <p:notesSz cx="6858000" cy="9144000"/>
@@ -235,7 +232,7 @@
           <a:p>
             <a:fld id="{6B57B034-E5FA-4A64-A9BA-24656C102022}" type="datetimeFigureOut">
               <a:rPr lang="ko-KR" altLang="en-US" smtClean="0"/>
-              <a:t>2022-01-20</a:t>
+              <a:t>2022-02-03</a:t>
             </a:fld>
             <a:endParaRPr lang="ko-KR" altLang="en-US"/>
           </a:p>
@@ -704,80 +701,6 @@
           <a:bodyPr/>
           <a:lstStyle/>
           <a:p>
-            <a:r>
-              <a:rPr lang="en-US" altLang="ko-KR" dirty="0"/>
-              <a:t>MST</a:t>
-            </a:r>
-            <a:r>
-              <a:rPr lang="ko-KR" altLang="en-US" dirty="0"/>
-              <a:t>에서 </a:t>
-            </a:r>
-            <a:r>
-              <a:rPr lang="en-US" altLang="ko-KR" dirty="0" err="1"/>
-              <a:t>i</a:t>
-            </a:r>
-            <a:r>
-              <a:rPr lang="ko-KR" altLang="en-US" dirty="0"/>
-              <a:t>와 </a:t>
-            </a:r>
-            <a:r>
-              <a:rPr lang="en-US" altLang="ko-KR" dirty="0"/>
-              <a:t>j</a:t>
-            </a:r>
-            <a:r>
-              <a:rPr lang="ko-KR" altLang="en-US" dirty="0"/>
-              <a:t>를 연결하는 최단 경로를 통해 </a:t>
-            </a:r>
-            <a:r>
-              <a:rPr lang="en-US" altLang="ko-KR" dirty="0" err="1"/>
-              <a:t>i</a:t>
-            </a:r>
-            <a:r>
-              <a:rPr lang="ko-KR" altLang="en-US" dirty="0"/>
-              <a:t>에서 </a:t>
-            </a:r>
-            <a:r>
-              <a:rPr lang="en-US" altLang="ko-KR" dirty="0"/>
-              <a:t>j</a:t>
-            </a:r>
-            <a:r>
-              <a:rPr lang="ko-KR" altLang="en-US" dirty="0"/>
-              <a:t>까지 단일 단계로 이동함으로써 검출된 유클리드 거리 </a:t>
-            </a:r>
-            <a:r>
-              <a:rPr lang="en-US" altLang="ko-KR" dirty="0"/>
-              <a:t>γ(</a:t>
-            </a:r>
-            <a:r>
-              <a:rPr lang="en-US" altLang="ko-KR" dirty="0" err="1"/>
-              <a:t>γ,γ</a:t>
-            </a:r>
-            <a:r>
-              <a:rPr lang="en-US" altLang="ko-KR" dirty="0"/>
-              <a:t>)</a:t>
-            </a:r>
-            <a:r>
-              <a:rPr lang="ko-KR" altLang="en-US" dirty="0"/>
-              <a:t>의 최대값으로</a:t>
-            </a:r>
-            <a:endParaRPr lang="en-US" altLang="ko-KR" dirty="0"/>
-          </a:p>
-          <a:p>
-            <a:endParaRPr lang="en-US" altLang="ko-KR" dirty="0"/>
-          </a:p>
-          <a:p>
-            <a:r>
-              <a:rPr lang="en-US" altLang="ko-KR" dirty="0"/>
-              <a:t>same </a:t>
-            </a:r>
-            <a:r>
-              <a:rPr lang="en-US" altLang="ko-KR" dirty="0" err="1"/>
-              <a:t>ultrametric</a:t>
-            </a:r>
-            <a:r>
-              <a:rPr lang="en-US" altLang="ko-KR" dirty="0"/>
-              <a:t> distance from TX and CHV  / XON and CHV</a:t>
-            </a:r>
             <a:endParaRPr lang="ko-KR" altLang="en-US" dirty="0"/>
           </a:p>
         </p:txBody>
@@ -929,480 +852,6 @@
     <p:extLst>
       <p:ext uri="{BB962C8B-B14F-4D97-AF65-F5344CB8AC3E}">
         <p14:creationId xmlns:p14="http://schemas.microsoft.com/office/powerpoint/2010/main" val="1332633946"/>
-      </p:ext>
-    </p:extLst>
-  </p:cSld>
-  <p:clrMapOvr>
-    <a:masterClrMapping/>
-  </p:clrMapOvr>
-</p:notes>
-</file>
-
-<file path=ppt/notesSlides/notesSlide4.xml><?xml version="1.0" encoding="utf-8"?>
-<p:notes xmlns:a="http://schemas.openxmlformats.org/drawingml/2006/main" xmlns:r="http://schemas.openxmlformats.org/officeDocument/2006/relationships" xmlns:p="http://schemas.openxmlformats.org/presentationml/2006/main">
-  <p:cSld>
-    <p:spTree>
-      <p:nvGrpSpPr>
-        <p:cNvPr id="1" name=""/>
-        <p:cNvGrpSpPr/>
-        <p:nvPr/>
-      </p:nvGrpSpPr>
-      <p:grpSpPr>
-        <a:xfrm>
-          <a:off x="0" y="0"/>
-          <a:ext cx="0" cy="0"/>
-          <a:chOff x="0" y="0"/>
-          <a:chExt cx="0" cy="0"/>
-        </a:xfrm>
-      </p:grpSpPr>
-      <p:sp>
-        <p:nvSpPr>
-          <p:cNvPr id="2" name="슬라이드 이미지 개체 틀 1"/>
-          <p:cNvSpPr>
-            <a:spLocks noGrp="1" noRot="1" noChangeAspect="1"/>
-          </p:cNvSpPr>
-          <p:nvPr>
-            <p:ph type="sldImg"/>
-          </p:nvPr>
-        </p:nvSpPr>
-        <p:spPr/>
-      </p:sp>
-      <p:sp>
-        <p:nvSpPr>
-          <p:cNvPr id="3" name="슬라이드 노트 개체 틀 2"/>
-          <p:cNvSpPr>
-            <a:spLocks noGrp="1"/>
-          </p:cNvSpPr>
-          <p:nvPr>
-            <p:ph type="body" idx="1"/>
-          </p:nvPr>
-        </p:nvSpPr>
-        <p:spPr/>
-        <p:txBody>
-          <a:bodyPr/>
-          <a:lstStyle/>
-          <a:p>
-            <a:r>
-              <a:rPr lang="en-US" altLang="ko-KR" dirty="0"/>
-              <a:t>MST</a:t>
-            </a:r>
-            <a:r>
-              <a:rPr lang="ko-KR" altLang="en-US" dirty="0"/>
-              <a:t>에서 </a:t>
-            </a:r>
-            <a:r>
-              <a:rPr lang="en-US" altLang="ko-KR" dirty="0" err="1"/>
-              <a:t>i</a:t>
-            </a:r>
-            <a:r>
-              <a:rPr lang="ko-KR" altLang="en-US" dirty="0"/>
-              <a:t>와 </a:t>
-            </a:r>
-            <a:r>
-              <a:rPr lang="en-US" altLang="ko-KR" dirty="0"/>
-              <a:t>j</a:t>
-            </a:r>
-            <a:r>
-              <a:rPr lang="ko-KR" altLang="en-US" dirty="0"/>
-              <a:t>를 연결하는 최단 경로를 통해 </a:t>
-            </a:r>
-            <a:r>
-              <a:rPr lang="en-US" altLang="ko-KR" dirty="0" err="1"/>
-              <a:t>i</a:t>
-            </a:r>
-            <a:r>
-              <a:rPr lang="ko-KR" altLang="en-US" dirty="0"/>
-              <a:t>에서 </a:t>
-            </a:r>
-            <a:r>
-              <a:rPr lang="en-US" altLang="ko-KR" dirty="0"/>
-              <a:t>j</a:t>
-            </a:r>
-            <a:r>
-              <a:rPr lang="ko-KR" altLang="en-US" dirty="0"/>
-              <a:t>까지 단일 단계로 이동함으로써 검출된 유클리드 거리 </a:t>
-            </a:r>
-            <a:r>
-              <a:rPr lang="en-US" altLang="ko-KR" dirty="0"/>
-              <a:t>γ(</a:t>
-            </a:r>
-            <a:r>
-              <a:rPr lang="en-US" altLang="ko-KR" dirty="0" err="1"/>
-              <a:t>γ,γ</a:t>
-            </a:r>
-            <a:r>
-              <a:rPr lang="en-US" altLang="ko-KR" dirty="0"/>
-              <a:t>)</a:t>
-            </a:r>
-            <a:r>
-              <a:rPr lang="ko-KR" altLang="en-US" dirty="0"/>
-              <a:t>의 최대값으로</a:t>
-            </a:r>
-            <a:endParaRPr lang="en-US" altLang="ko-KR" dirty="0"/>
-          </a:p>
-          <a:p>
-            <a:endParaRPr lang="en-US" altLang="ko-KR" dirty="0"/>
-          </a:p>
-          <a:p>
-            <a:r>
-              <a:rPr lang="en-US" altLang="ko-KR" dirty="0"/>
-              <a:t>same </a:t>
-            </a:r>
-            <a:r>
-              <a:rPr lang="en-US" altLang="ko-KR" dirty="0" err="1"/>
-              <a:t>ultrametric</a:t>
-            </a:r>
-            <a:r>
-              <a:rPr lang="en-US" altLang="ko-KR" dirty="0"/>
-              <a:t> distance from TX and CHV  / XON and CHV</a:t>
-            </a:r>
-            <a:endParaRPr lang="ko-KR" altLang="en-US" dirty="0"/>
-          </a:p>
-        </p:txBody>
-      </p:sp>
-      <p:sp>
-        <p:nvSpPr>
-          <p:cNvPr id="4" name="슬라이드 번호 개체 틀 3"/>
-          <p:cNvSpPr>
-            <a:spLocks noGrp="1"/>
-          </p:cNvSpPr>
-          <p:nvPr>
-            <p:ph type="sldNum" sz="quarter" idx="5"/>
-          </p:nvPr>
-        </p:nvSpPr>
-        <p:spPr/>
-        <p:txBody>
-          <a:bodyPr/>
-          <a:lstStyle/>
-          <a:p>
-            <a:fld id="{9502B324-57F8-4702-8ADF-977F2A214865}" type="slidenum">
-              <a:rPr lang="ko-KR" altLang="en-US" smtClean="0"/>
-              <a:t>14</a:t>
-            </a:fld>
-            <a:endParaRPr lang="ko-KR" altLang="en-US"/>
-          </a:p>
-        </p:txBody>
-      </p:sp>
-    </p:spTree>
-    <p:extLst>
-      <p:ext uri="{BB962C8B-B14F-4D97-AF65-F5344CB8AC3E}">
-        <p14:creationId xmlns:p14="http://schemas.microsoft.com/office/powerpoint/2010/main" val="2982111135"/>
-      </p:ext>
-    </p:extLst>
-  </p:cSld>
-  <p:clrMapOvr>
-    <a:masterClrMapping/>
-  </p:clrMapOvr>
-</p:notes>
-</file>
-
-<file path=ppt/notesSlides/notesSlide5.xml><?xml version="1.0" encoding="utf-8"?>
-<p:notes xmlns:a="http://schemas.openxmlformats.org/drawingml/2006/main" xmlns:r="http://schemas.openxmlformats.org/officeDocument/2006/relationships" xmlns:p="http://schemas.openxmlformats.org/presentationml/2006/main">
-  <p:cSld>
-    <p:spTree>
-      <p:nvGrpSpPr>
-        <p:cNvPr id="1" name=""/>
-        <p:cNvGrpSpPr/>
-        <p:nvPr/>
-      </p:nvGrpSpPr>
-      <p:grpSpPr>
-        <a:xfrm>
-          <a:off x="0" y="0"/>
-          <a:ext cx="0" cy="0"/>
-          <a:chOff x="0" y="0"/>
-          <a:chExt cx="0" cy="0"/>
-        </a:xfrm>
-      </p:grpSpPr>
-      <p:sp>
-        <p:nvSpPr>
-          <p:cNvPr id="2" name="슬라이드 이미지 개체 틀 1"/>
-          <p:cNvSpPr>
-            <a:spLocks noGrp="1" noRot="1" noChangeAspect="1"/>
-          </p:cNvSpPr>
-          <p:nvPr>
-            <p:ph type="sldImg"/>
-          </p:nvPr>
-        </p:nvSpPr>
-        <p:spPr/>
-      </p:sp>
-      <p:sp>
-        <p:nvSpPr>
-          <p:cNvPr id="3" name="슬라이드 노트 개체 틀 2"/>
-          <p:cNvSpPr>
-            <a:spLocks noGrp="1"/>
-          </p:cNvSpPr>
-          <p:nvPr>
-            <p:ph type="body" idx="1"/>
-          </p:nvPr>
-        </p:nvSpPr>
-        <p:spPr/>
-        <p:txBody>
-          <a:bodyPr/>
-          <a:lstStyle/>
-          <a:p>
-            <a:r>
-              <a:rPr lang="en-US" altLang="ko-KR" dirty="0"/>
-              <a:t>MST</a:t>
-            </a:r>
-            <a:r>
-              <a:rPr lang="ko-KR" altLang="en-US" dirty="0"/>
-              <a:t>에서 </a:t>
-            </a:r>
-            <a:r>
-              <a:rPr lang="en-US" altLang="ko-KR" dirty="0" err="1"/>
-              <a:t>i</a:t>
-            </a:r>
-            <a:r>
-              <a:rPr lang="ko-KR" altLang="en-US" dirty="0"/>
-              <a:t>와 </a:t>
-            </a:r>
-            <a:r>
-              <a:rPr lang="en-US" altLang="ko-KR" dirty="0"/>
-              <a:t>j</a:t>
-            </a:r>
-            <a:r>
-              <a:rPr lang="ko-KR" altLang="en-US" dirty="0"/>
-              <a:t>를 연결하는 최단 경로를 통해 </a:t>
-            </a:r>
-            <a:r>
-              <a:rPr lang="en-US" altLang="ko-KR" dirty="0" err="1"/>
-              <a:t>i</a:t>
-            </a:r>
-            <a:r>
-              <a:rPr lang="ko-KR" altLang="en-US" dirty="0"/>
-              <a:t>에서 </a:t>
-            </a:r>
-            <a:r>
-              <a:rPr lang="en-US" altLang="ko-KR" dirty="0"/>
-              <a:t>j</a:t>
-            </a:r>
-            <a:r>
-              <a:rPr lang="ko-KR" altLang="en-US" dirty="0"/>
-              <a:t>까지 단일 단계로 이동함으로써 검출된 유클리드 거리 </a:t>
-            </a:r>
-            <a:r>
-              <a:rPr lang="en-US" altLang="ko-KR" dirty="0"/>
-              <a:t>γ(</a:t>
-            </a:r>
-            <a:r>
-              <a:rPr lang="en-US" altLang="ko-KR" dirty="0" err="1"/>
-              <a:t>γ,γ</a:t>
-            </a:r>
-            <a:r>
-              <a:rPr lang="en-US" altLang="ko-KR" dirty="0"/>
-              <a:t>)</a:t>
-            </a:r>
-            <a:r>
-              <a:rPr lang="ko-KR" altLang="en-US" dirty="0"/>
-              <a:t>의 최대값으로</a:t>
-            </a:r>
-            <a:endParaRPr lang="en-US" altLang="ko-KR" dirty="0"/>
-          </a:p>
-          <a:p>
-            <a:endParaRPr lang="en-US" altLang="ko-KR" dirty="0"/>
-          </a:p>
-          <a:p>
-            <a:r>
-              <a:rPr lang="en-US" altLang="ko-KR" dirty="0"/>
-              <a:t>same </a:t>
-            </a:r>
-            <a:r>
-              <a:rPr lang="en-US" altLang="ko-KR" dirty="0" err="1"/>
-              <a:t>ultrametric</a:t>
-            </a:r>
-            <a:r>
-              <a:rPr lang="en-US" altLang="ko-KR" dirty="0"/>
-              <a:t> distance from TX and CHV  / XON and CHV</a:t>
-            </a:r>
-            <a:endParaRPr lang="ko-KR" altLang="en-US" dirty="0"/>
-          </a:p>
-        </p:txBody>
-      </p:sp>
-      <p:sp>
-        <p:nvSpPr>
-          <p:cNvPr id="4" name="슬라이드 번호 개체 틀 3"/>
-          <p:cNvSpPr>
-            <a:spLocks noGrp="1"/>
-          </p:cNvSpPr>
-          <p:nvPr>
-            <p:ph type="sldNum" sz="quarter" idx="5"/>
-          </p:nvPr>
-        </p:nvSpPr>
-        <p:spPr/>
-        <p:txBody>
-          <a:bodyPr/>
-          <a:lstStyle/>
-          <a:p>
-            <a:fld id="{9502B324-57F8-4702-8ADF-977F2A214865}" type="slidenum">
-              <a:rPr lang="ko-KR" altLang="en-US" smtClean="0"/>
-              <a:t>15</a:t>
-            </a:fld>
-            <a:endParaRPr lang="ko-KR" altLang="en-US"/>
-          </a:p>
-        </p:txBody>
-      </p:sp>
-    </p:spTree>
-    <p:extLst>
-      <p:ext uri="{BB962C8B-B14F-4D97-AF65-F5344CB8AC3E}">
-        <p14:creationId xmlns:p14="http://schemas.microsoft.com/office/powerpoint/2010/main" val="2517138664"/>
-      </p:ext>
-    </p:extLst>
-  </p:cSld>
-  <p:clrMapOvr>
-    <a:masterClrMapping/>
-  </p:clrMapOvr>
-</p:notes>
-</file>
-
-<file path=ppt/notesSlides/notesSlide6.xml><?xml version="1.0" encoding="utf-8"?>
-<p:notes xmlns:a="http://schemas.openxmlformats.org/drawingml/2006/main" xmlns:r="http://schemas.openxmlformats.org/officeDocument/2006/relationships" xmlns:p="http://schemas.openxmlformats.org/presentationml/2006/main">
-  <p:cSld>
-    <p:spTree>
-      <p:nvGrpSpPr>
-        <p:cNvPr id="1" name=""/>
-        <p:cNvGrpSpPr/>
-        <p:nvPr/>
-      </p:nvGrpSpPr>
-      <p:grpSpPr>
-        <a:xfrm>
-          <a:off x="0" y="0"/>
-          <a:ext cx="0" cy="0"/>
-          <a:chOff x="0" y="0"/>
-          <a:chExt cx="0" cy="0"/>
-        </a:xfrm>
-      </p:grpSpPr>
-      <p:sp>
-        <p:nvSpPr>
-          <p:cNvPr id="2" name="슬라이드 이미지 개체 틀 1"/>
-          <p:cNvSpPr>
-            <a:spLocks noGrp="1" noRot="1" noChangeAspect="1"/>
-          </p:cNvSpPr>
-          <p:nvPr>
-            <p:ph type="sldImg"/>
-          </p:nvPr>
-        </p:nvSpPr>
-        <p:spPr/>
-      </p:sp>
-      <p:sp>
-        <p:nvSpPr>
-          <p:cNvPr id="3" name="슬라이드 노트 개체 틀 2"/>
-          <p:cNvSpPr>
-            <a:spLocks noGrp="1"/>
-          </p:cNvSpPr>
-          <p:nvPr>
-            <p:ph type="body" idx="1"/>
-          </p:nvPr>
-        </p:nvSpPr>
-        <p:spPr/>
-        <p:txBody>
-          <a:bodyPr/>
-          <a:lstStyle/>
-          <a:p>
-            <a:r>
-              <a:rPr lang="en-US" altLang="ko-KR" dirty="0"/>
-              <a:t>MST</a:t>
-            </a:r>
-            <a:r>
-              <a:rPr lang="ko-KR" altLang="en-US" dirty="0"/>
-              <a:t>에서 </a:t>
-            </a:r>
-            <a:r>
-              <a:rPr lang="en-US" altLang="ko-KR" dirty="0" err="1"/>
-              <a:t>i</a:t>
-            </a:r>
-            <a:r>
-              <a:rPr lang="ko-KR" altLang="en-US" dirty="0"/>
-              <a:t>와 </a:t>
-            </a:r>
-            <a:r>
-              <a:rPr lang="en-US" altLang="ko-KR" dirty="0"/>
-              <a:t>j</a:t>
-            </a:r>
-            <a:r>
-              <a:rPr lang="ko-KR" altLang="en-US" dirty="0"/>
-              <a:t>를 연결하는 최단 경로를 통해 </a:t>
-            </a:r>
-            <a:r>
-              <a:rPr lang="en-US" altLang="ko-KR" dirty="0" err="1"/>
-              <a:t>i</a:t>
-            </a:r>
-            <a:r>
-              <a:rPr lang="ko-KR" altLang="en-US" dirty="0"/>
-              <a:t>에서 </a:t>
-            </a:r>
-            <a:r>
-              <a:rPr lang="en-US" altLang="ko-KR" dirty="0"/>
-              <a:t>j</a:t>
-            </a:r>
-            <a:r>
-              <a:rPr lang="ko-KR" altLang="en-US" dirty="0"/>
-              <a:t>까지 단일 단계로 이동함으로써 검출된 유클리드 거리 </a:t>
-            </a:r>
-            <a:r>
-              <a:rPr lang="en-US" altLang="ko-KR" dirty="0"/>
-              <a:t>γ(</a:t>
-            </a:r>
-            <a:r>
-              <a:rPr lang="en-US" altLang="ko-KR" dirty="0" err="1"/>
-              <a:t>γ,γ</a:t>
-            </a:r>
-            <a:r>
-              <a:rPr lang="en-US" altLang="ko-KR" dirty="0"/>
-              <a:t>)</a:t>
-            </a:r>
-            <a:r>
-              <a:rPr lang="ko-KR" altLang="en-US" dirty="0"/>
-              <a:t>의 최대값으로</a:t>
-            </a:r>
-            <a:endParaRPr lang="en-US" altLang="ko-KR" dirty="0"/>
-          </a:p>
-          <a:p>
-            <a:endParaRPr lang="en-US" altLang="ko-KR" dirty="0"/>
-          </a:p>
-          <a:p>
-            <a:r>
-              <a:rPr lang="en-US" altLang="ko-KR" dirty="0"/>
-              <a:t>same </a:t>
-            </a:r>
-            <a:r>
-              <a:rPr lang="en-US" altLang="ko-KR" dirty="0" err="1"/>
-              <a:t>ultrametric</a:t>
-            </a:r>
-            <a:r>
-              <a:rPr lang="en-US" altLang="ko-KR" dirty="0"/>
-              <a:t> distance from TX and CHV  / XON and CHV</a:t>
-            </a:r>
-            <a:endParaRPr lang="ko-KR" altLang="en-US" dirty="0"/>
-          </a:p>
-        </p:txBody>
-      </p:sp>
-      <p:sp>
-        <p:nvSpPr>
-          <p:cNvPr id="4" name="슬라이드 번호 개체 틀 3"/>
-          <p:cNvSpPr>
-            <a:spLocks noGrp="1"/>
-          </p:cNvSpPr>
-          <p:nvPr>
-            <p:ph type="sldNum" sz="quarter" idx="5"/>
-          </p:nvPr>
-        </p:nvSpPr>
-        <p:spPr/>
-        <p:txBody>
-          <a:bodyPr/>
-          <a:lstStyle/>
-          <a:p>
-            <a:fld id="{9502B324-57F8-4702-8ADF-977F2A214865}" type="slidenum">
-              <a:rPr lang="ko-KR" altLang="en-US" smtClean="0"/>
-              <a:t>16</a:t>
-            </a:fld>
-            <a:endParaRPr lang="ko-KR" altLang="en-US"/>
-          </a:p>
-        </p:txBody>
-      </p:sp>
-    </p:spTree>
-    <p:extLst>
-      <p:ext uri="{BB962C8B-B14F-4D97-AF65-F5344CB8AC3E}">
-        <p14:creationId xmlns:p14="http://schemas.microsoft.com/office/powerpoint/2010/main" val="3322921953"/>
       </p:ext>
     </p:extLst>
   </p:cSld>
@@ -1560,7 +1009,7 @@
             <a:fld id="{AB830659-CE90-4711-BEE1-C6D87D46AFCD}" type="datetimeFigureOut">
               <a:rPr lang="ko-KR" altLang="en-US" smtClean="0"/>
               <a:pPr/>
-              <a:t>2022-01-20</a:t>
+              <a:t>2022-02-03</a:t>
             </a:fld>
             <a:endParaRPr lang="ko-KR" altLang="en-US"/>
           </a:p>
@@ -1760,7 +1209,7 @@
             <a:fld id="{AB830659-CE90-4711-BEE1-C6D87D46AFCD}" type="datetimeFigureOut">
               <a:rPr lang="ko-KR" altLang="en-US" smtClean="0"/>
               <a:pPr/>
-              <a:t>2022-01-20</a:t>
+              <a:t>2022-02-03</a:t>
             </a:fld>
             <a:endParaRPr lang="ko-KR" altLang="en-US"/>
           </a:p>
@@ -1970,7 +1419,7 @@
             <a:fld id="{AB830659-CE90-4711-BEE1-C6D87D46AFCD}" type="datetimeFigureOut">
               <a:rPr lang="ko-KR" altLang="en-US" smtClean="0"/>
               <a:pPr/>
-              <a:t>2022-01-20</a:t>
+              <a:t>2022-02-03</a:t>
             </a:fld>
             <a:endParaRPr lang="ko-KR" altLang="en-US"/>
           </a:p>
@@ -2170,7 +1619,7 @@
             <a:fld id="{AB830659-CE90-4711-BEE1-C6D87D46AFCD}" type="datetimeFigureOut">
               <a:rPr lang="ko-KR" altLang="en-US" smtClean="0"/>
               <a:pPr/>
-              <a:t>2022-01-20</a:t>
+              <a:t>2022-02-03</a:t>
             </a:fld>
             <a:endParaRPr lang="ko-KR" altLang="en-US"/>
           </a:p>
@@ -2447,7 +1896,7 @@
             <a:fld id="{AB830659-CE90-4711-BEE1-C6D87D46AFCD}" type="datetimeFigureOut">
               <a:rPr lang="ko-KR" altLang="en-US" smtClean="0"/>
               <a:pPr/>
-              <a:t>2022-01-20</a:t>
+              <a:t>2022-02-03</a:t>
             </a:fld>
             <a:endParaRPr lang="ko-KR" altLang="en-US"/>
           </a:p>
@@ -2714,7 +2163,7 @@
             <a:fld id="{AB830659-CE90-4711-BEE1-C6D87D46AFCD}" type="datetimeFigureOut">
               <a:rPr lang="ko-KR" altLang="en-US" smtClean="0"/>
               <a:pPr/>
-              <a:t>2022-01-20</a:t>
+              <a:t>2022-02-03</a:t>
             </a:fld>
             <a:endParaRPr lang="ko-KR" altLang="en-US"/>
           </a:p>
@@ -3128,7 +2577,7 @@
             <a:fld id="{AB830659-CE90-4711-BEE1-C6D87D46AFCD}" type="datetimeFigureOut">
               <a:rPr lang="ko-KR" altLang="en-US" smtClean="0"/>
               <a:pPr/>
-              <a:t>2022-01-20</a:t>
+              <a:t>2022-02-03</a:t>
             </a:fld>
             <a:endParaRPr lang="ko-KR" altLang="en-US"/>
           </a:p>
@@ -3271,7 +2720,7 @@
             <a:fld id="{AB830659-CE90-4711-BEE1-C6D87D46AFCD}" type="datetimeFigureOut">
               <a:rPr lang="ko-KR" altLang="en-US" smtClean="0"/>
               <a:pPr/>
-              <a:t>2022-01-20</a:t>
+              <a:t>2022-02-03</a:t>
             </a:fld>
             <a:endParaRPr lang="ko-KR" altLang="en-US"/>
           </a:p>
@@ -3386,7 +2835,7 @@
             <a:fld id="{AB830659-CE90-4711-BEE1-C6D87D46AFCD}" type="datetimeFigureOut">
               <a:rPr lang="ko-KR" altLang="en-US" smtClean="0"/>
               <a:pPr/>
-              <a:t>2022-01-20</a:t>
+              <a:t>2022-02-03</a:t>
             </a:fld>
             <a:endParaRPr lang="ko-KR" altLang="en-US"/>
           </a:p>
@@ -3699,7 +3148,7 @@
             <a:fld id="{AB830659-CE90-4711-BEE1-C6D87D46AFCD}" type="datetimeFigureOut">
               <a:rPr lang="ko-KR" altLang="en-US" smtClean="0"/>
               <a:pPr/>
-              <a:t>2022-01-20</a:t>
+              <a:t>2022-02-03</a:t>
             </a:fld>
             <a:endParaRPr lang="ko-KR" altLang="en-US"/>
           </a:p>
@@ -3989,7 +3438,7 @@
             <a:fld id="{AB830659-CE90-4711-BEE1-C6D87D46AFCD}" type="datetimeFigureOut">
               <a:rPr lang="ko-KR" altLang="en-US" smtClean="0"/>
               <a:pPr/>
-              <a:t>2022-01-20</a:t>
+              <a:t>2022-02-03</a:t>
             </a:fld>
             <a:endParaRPr lang="ko-KR" altLang="en-US"/>
           </a:p>
@@ -4238,7 +3687,7 @@
             <a:fld id="{AB830659-CE90-4711-BEE1-C6D87D46AFCD}" type="datetimeFigureOut">
               <a:rPr lang="ko-KR" altLang="en-US" smtClean="0"/>
               <a:pPr/>
-              <a:t>2022-01-20</a:t>
+              <a:t>2022-02-03</a:t>
             </a:fld>
             <a:endParaRPr lang="ko-KR" altLang="en-US"/>
           </a:p>
@@ -6233,9 +5682,9 @@
         <p:grpSpPr>
           <a:xfrm>
             <a:off x="856859" y="116632"/>
-            <a:ext cx="11802127" cy="765799"/>
+            <a:ext cx="11802126" cy="765799"/>
             <a:chOff x="746867" y="116632"/>
-            <a:chExt cx="8638971" cy="765799"/>
+            <a:chExt cx="8638970" cy="765799"/>
           </a:xfrm>
         </p:grpSpPr>
         <p:sp>
@@ -6301,8 +5750,8 @@
           </p:nvSpPr>
           <p:spPr>
             <a:xfrm>
-              <a:off x="755576" y="260648"/>
-              <a:ext cx="8630262" cy="523220"/>
+              <a:off x="755575" y="290552"/>
+              <a:ext cx="8630262" cy="461665"/>
             </a:xfrm>
             <a:prstGeom prst="rect">
               <a:avLst/>
@@ -6316,34 +5765,22 @@
             <a:lstStyle/>
             <a:p>
               <a:r>
-                <a:rPr lang="en-US" altLang="ko-KR" sz="2800" dirty="0"/>
-                <a:t>The</a:t>
+                <a:rPr lang="en-US" altLang="ko-KR" sz="2400" dirty="0"/>
+                <a:t>Hierarchical tree of the </a:t>
               </a:r>
               <a:r>
-                <a:rPr lang="en-US" altLang="ko-KR" sz="2800" b="1" dirty="0"/>
-                <a:t> MST </a:t>
+                <a:rPr lang="en-US" altLang="ko-KR" sz="2400" b="1" dirty="0"/>
+                <a:t>subdominant </a:t>
+              </a:r>
+              <a:r>
+                <a:rPr lang="en-US" altLang="ko-KR" sz="2400" b="1" dirty="0" err="1"/>
+                <a:t>ultrametric</a:t>
               </a:r>
               <a:r>
                 <a:rPr lang="en-US" altLang="ko-KR" sz="2400" dirty="0"/>
-                <a:t>associated with a</a:t>
+                <a:t> associated to the MST</a:t>
               </a:r>
-              <a:r>
-                <a:rPr lang="en-US" altLang="ko-KR" sz="2400" b="1" dirty="0"/>
-                <a:t> </a:t>
-              </a:r>
-              <a:r>
-                <a:rPr lang="en-US" altLang="ko-KR" sz="2800" b="1" dirty="0"/>
-                <a:t>subdominant </a:t>
-              </a:r>
-              <a:r>
-                <a:rPr lang="en-US" altLang="ko-KR" sz="2800" b="1" dirty="0" err="1"/>
-                <a:t>ultrametric</a:t>
-              </a:r>
-              <a:r>
-                <a:rPr lang="en-US" altLang="ko-KR" sz="2800" b="1" dirty="0"/>
-                <a:t> distance matrix </a:t>
-              </a:r>
-              <a:endParaRPr lang="ko-KR" altLang="en-US" sz="2800" b="1" dirty="0"/>
+              <a:endParaRPr lang="ko-KR" altLang="en-US" sz="2400" b="1" dirty="0"/>
             </a:p>
           </p:txBody>
         </p:sp>
@@ -7542,260 +6979,6 @@
           <a:chExt cx="0" cy="0"/>
         </a:xfrm>
       </p:grpSpPr>
-      <p:grpSp>
-        <p:nvGrpSpPr>
-          <p:cNvPr id="2" name="그룹 1">
-            <a:extLst>
-              <a:ext uri="{FF2B5EF4-FFF2-40B4-BE49-F238E27FC236}">
-                <a16:creationId xmlns:a16="http://schemas.microsoft.com/office/drawing/2014/main" id="{B26849C9-4885-4F0C-BBB5-EC9901B6A70F}"/>
-              </a:ext>
-            </a:extLst>
-          </p:cNvPr>
-          <p:cNvGrpSpPr/>
-          <p:nvPr/>
-        </p:nvGrpSpPr>
-        <p:grpSpPr>
-          <a:xfrm>
-            <a:off x="856859" y="116632"/>
-            <a:ext cx="11802127" cy="765799"/>
-            <a:chOff x="746867" y="116632"/>
-            <a:chExt cx="8638971" cy="765799"/>
-          </a:xfrm>
-        </p:grpSpPr>
-        <p:sp>
-          <p:nvSpPr>
-            <p:cNvPr id="3" name="직사각형 2">
-              <a:extLst>
-                <a:ext uri="{FF2B5EF4-FFF2-40B4-BE49-F238E27FC236}">
-                  <a16:creationId xmlns:a16="http://schemas.microsoft.com/office/drawing/2014/main" id="{9F2D8330-BD74-43B3-B7E7-B36C9C7FE6C0}"/>
-                </a:ext>
-              </a:extLst>
-            </p:cNvPr>
-            <p:cNvSpPr/>
-            <p:nvPr/>
-          </p:nvSpPr>
-          <p:spPr>
-            <a:xfrm>
-              <a:off x="755575" y="188640"/>
-              <a:ext cx="8289629" cy="648072"/>
-            </a:xfrm>
-            <a:prstGeom prst="rect">
-              <a:avLst/>
-            </a:prstGeom>
-            <a:ln>
-              <a:solidFill>
-                <a:schemeClr val="bg1"/>
-              </a:solidFill>
-            </a:ln>
-          </p:spPr>
-          <p:style>
-            <a:lnRef idx="2">
-              <a:schemeClr val="dk1"/>
-            </a:lnRef>
-            <a:fillRef idx="1">
-              <a:schemeClr val="lt1"/>
-            </a:fillRef>
-            <a:effectRef idx="0">
-              <a:schemeClr val="dk1"/>
-            </a:effectRef>
-            <a:fontRef idx="minor">
-              <a:schemeClr val="dk1"/>
-            </a:fontRef>
-          </p:style>
-          <p:txBody>
-            <a:bodyPr rtlCol="0" anchor="ctr"/>
-            <a:lstStyle/>
-            <a:p>
-              <a:pPr algn="ctr"/>
-              <a:endParaRPr lang="en-US" altLang="ko-KR" b="1" dirty="0"/>
-            </a:p>
-          </p:txBody>
-        </p:sp>
-        <p:sp>
-          <p:nvSpPr>
-            <p:cNvPr id="4" name="TextBox 3">
-              <a:extLst>
-                <a:ext uri="{FF2B5EF4-FFF2-40B4-BE49-F238E27FC236}">
-                  <a16:creationId xmlns:a16="http://schemas.microsoft.com/office/drawing/2014/main" id="{327DCDE5-501B-45CD-8D22-1C6760047075}"/>
-                </a:ext>
-              </a:extLst>
-            </p:cNvPr>
-            <p:cNvSpPr txBox="1"/>
-            <p:nvPr/>
-          </p:nvSpPr>
-          <p:spPr>
-            <a:xfrm>
-              <a:off x="755576" y="260648"/>
-              <a:ext cx="8630262" cy="523220"/>
-            </a:xfrm>
-            <a:prstGeom prst="rect">
-              <a:avLst/>
-            </a:prstGeom>
-            <a:noFill/>
-          </p:spPr>
-          <p:txBody>
-            <a:bodyPr wrap="square" rtlCol="0">
-              <a:spAutoFit/>
-            </a:bodyPr>
-            <a:lstStyle/>
-            <a:p>
-              <a:r>
-                <a:rPr lang="en-US" altLang="ko-KR" sz="2800" dirty="0"/>
-                <a:t>The</a:t>
-              </a:r>
-              <a:r>
-                <a:rPr lang="en-US" altLang="ko-KR" sz="2800" b="1" dirty="0"/>
-                <a:t> MST </a:t>
-              </a:r>
-              <a:r>
-                <a:rPr lang="en-US" altLang="ko-KR" sz="2400" dirty="0"/>
-                <a:t>associated with a</a:t>
-              </a:r>
-              <a:r>
-                <a:rPr lang="en-US" altLang="ko-KR" sz="2400" b="1" dirty="0"/>
-                <a:t> </a:t>
-              </a:r>
-              <a:r>
-                <a:rPr lang="en-US" altLang="ko-KR" sz="2800" b="1" dirty="0"/>
-                <a:t>subdominant </a:t>
-              </a:r>
-              <a:r>
-                <a:rPr lang="en-US" altLang="ko-KR" sz="2800" b="1" dirty="0" err="1"/>
-                <a:t>ultrametric</a:t>
-              </a:r>
-              <a:r>
-                <a:rPr lang="en-US" altLang="ko-KR" sz="2800" b="1" dirty="0"/>
-                <a:t> distance matrix </a:t>
-              </a:r>
-              <a:endParaRPr lang="ko-KR" altLang="en-US" sz="2800" b="1" dirty="0"/>
-            </a:p>
-          </p:txBody>
-        </p:sp>
-        <p:grpSp>
-          <p:nvGrpSpPr>
-            <p:cNvPr id="5" name="그룹 21">
-              <a:extLst>
-                <a:ext uri="{FF2B5EF4-FFF2-40B4-BE49-F238E27FC236}">
-                  <a16:creationId xmlns:a16="http://schemas.microsoft.com/office/drawing/2014/main" id="{69619CC5-EE2E-4692-BEF6-D0ABE865652B}"/>
-                </a:ext>
-              </a:extLst>
-            </p:cNvPr>
-            <p:cNvGrpSpPr/>
-            <p:nvPr/>
-          </p:nvGrpSpPr>
-          <p:grpSpPr>
-            <a:xfrm>
-              <a:off x="746867" y="116632"/>
-              <a:ext cx="8324465" cy="765799"/>
-              <a:chOff x="746867" y="116632"/>
-              <a:chExt cx="8324465" cy="765799"/>
-            </a:xfrm>
-            <a:solidFill>
-              <a:srgbClr val="58378D"/>
-            </a:solidFill>
-          </p:grpSpPr>
-          <p:sp>
-            <p:nvSpPr>
-              <p:cNvPr id="6" name="직사각형 5">
-                <a:extLst>
-                  <a:ext uri="{FF2B5EF4-FFF2-40B4-BE49-F238E27FC236}">
-                    <a16:creationId xmlns:a16="http://schemas.microsoft.com/office/drawing/2014/main" id="{5A4CCB74-128E-44F5-891F-C51BE31122C7}"/>
-                  </a:ext>
-                </a:extLst>
-              </p:cNvPr>
-              <p:cNvSpPr/>
-              <p:nvPr/>
-            </p:nvSpPr>
-            <p:spPr>
-              <a:xfrm>
-                <a:off x="746867" y="116632"/>
-                <a:ext cx="8307046" cy="89426"/>
-              </a:xfrm>
-              <a:prstGeom prst="rect">
-                <a:avLst/>
-              </a:prstGeom>
-              <a:grpFill/>
-              <a:ln>
-                <a:noFill/>
-              </a:ln>
-            </p:spPr>
-            <p:style>
-              <a:lnRef idx="2">
-                <a:schemeClr val="accent1">
-                  <a:shade val="50000"/>
-                </a:schemeClr>
-              </a:lnRef>
-              <a:fillRef idx="1">
-                <a:schemeClr val="accent1"/>
-              </a:fillRef>
-              <a:effectRef idx="0">
-                <a:schemeClr val="accent1"/>
-              </a:effectRef>
-              <a:fontRef idx="minor">
-                <a:schemeClr val="lt1"/>
-              </a:fontRef>
-            </p:style>
-            <p:txBody>
-              <a:bodyPr rtlCol="0" anchor="ctr"/>
-              <a:lstStyle/>
-              <a:p>
-                <a:pPr algn="ctr"/>
-                <a:endParaRPr lang="ko-KR" altLang="en-US"/>
-              </a:p>
-            </p:txBody>
-          </p:sp>
-          <p:sp>
-            <p:nvSpPr>
-              <p:cNvPr id="7" name="직사각형 6">
-                <a:extLst>
-                  <a:ext uri="{FF2B5EF4-FFF2-40B4-BE49-F238E27FC236}">
-                    <a16:creationId xmlns:a16="http://schemas.microsoft.com/office/drawing/2014/main" id="{2139653F-141E-4C55-B1BC-2984F6B25D93}"/>
-                  </a:ext>
-                </a:extLst>
-              </p:cNvPr>
-              <p:cNvSpPr/>
-              <p:nvPr/>
-            </p:nvSpPr>
-            <p:spPr>
-              <a:xfrm>
-                <a:off x="755576" y="836712"/>
-                <a:ext cx="8315756" cy="45719"/>
-              </a:xfrm>
-              <a:prstGeom prst="rect">
-                <a:avLst/>
-              </a:prstGeom>
-              <a:grpFill/>
-              <a:ln>
-                <a:noFill/>
-              </a:ln>
-            </p:spPr>
-            <p:style>
-              <a:lnRef idx="2">
-                <a:schemeClr val="accent1">
-                  <a:shade val="50000"/>
-                </a:schemeClr>
-              </a:lnRef>
-              <a:fillRef idx="1">
-                <a:schemeClr val="accent1"/>
-              </a:fillRef>
-              <a:effectRef idx="0">
-                <a:schemeClr val="accent1"/>
-              </a:effectRef>
-              <a:fontRef idx="minor">
-                <a:schemeClr val="lt1"/>
-              </a:fontRef>
-            </p:style>
-            <p:txBody>
-              <a:bodyPr rtlCol="0" anchor="ctr"/>
-              <a:lstStyle/>
-              <a:p>
-                <a:pPr algn="ctr"/>
-                <a:endParaRPr lang="ko-KR" altLang="en-US"/>
-              </a:p>
-            </p:txBody>
-          </p:sp>
-        </p:grpSp>
-      </p:grpSp>
       <p:pic>
         <p:nvPicPr>
           <p:cNvPr id="11" name="그림 10">
@@ -8084,6 +7267,248 @@
           </a:p>
         </p:txBody>
       </p:sp>
+      <p:grpSp>
+        <p:nvGrpSpPr>
+          <p:cNvPr id="13" name="그룹 12">
+            <a:extLst>
+              <a:ext uri="{FF2B5EF4-FFF2-40B4-BE49-F238E27FC236}">
+                <a16:creationId xmlns:a16="http://schemas.microsoft.com/office/drawing/2014/main" id="{07999D42-403F-4756-A8EE-0E12711E4A21}"/>
+              </a:ext>
+            </a:extLst>
+          </p:cNvPr>
+          <p:cNvGrpSpPr/>
+          <p:nvPr/>
+        </p:nvGrpSpPr>
+        <p:grpSpPr>
+          <a:xfrm>
+            <a:off x="856859" y="116632"/>
+            <a:ext cx="11802126" cy="765799"/>
+            <a:chOff x="746867" y="116632"/>
+            <a:chExt cx="8638970" cy="765799"/>
+          </a:xfrm>
+        </p:grpSpPr>
+        <p:sp>
+          <p:nvSpPr>
+            <p:cNvPr id="14" name="직사각형 13">
+              <a:extLst>
+                <a:ext uri="{FF2B5EF4-FFF2-40B4-BE49-F238E27FC236}">
+                  <a16:creationId xmlns:a16="http://schemas.microsoft.com/office/drawing/2014/main" id="{BDA46340-CDDD-4B18-AD30-001D938E13EA}"/>
+                </a:ext>
+              </a:extLst>
+            </p:cNvPr>
+            <p:cNvSpPr/>
+            <p:nvPr/>
+          </p:nvSpPr>
+          <p:spPr>
+            <a:xfrm>
+              <a:off x="755575" y="188640"/>
+              <a:ext cx="8289629" cy="648072"/>
+            </a:xfrm>
+            <a:prstGeom prst="rect">
+              <a:avLst/>
+            </a:prstGeom>
+            <a:ln>
+              <a:solidFill>
+                <a:schemeClr val="bg1"/>
+              </a:solidFill>
+            </a:ln>
+          </p:spPr>
+          <p:style>
+            <a:lnRef idx="2">
+              <a:schemeClr val="dk1"/>
+            </a:lnRef>
+            <a:fillRef idx="1">
+              <a:schemeClr val="lt1"/>
+            </a:fillRef>
+            <a:effectRef idx="0">
+              <a:schemeClr val="dk1"/>
+            </a:effectRef>
+            <a:fontRef idx="minor">
+              <a:schemeClr val="dk1"/>
+            </a:fontRef>
+          </p:style>
+          <p:txBody>
+            <a:bodyPr rtlCol="0" anchor="ctr"/>
+            <a:lstStyle/>
+            <a:p>
+              <a:pPr algn="ctr"/>
+              <a:endParaRPr lang="en-US" altLang="ko-KR" b="1" dirty="0"/>
+            </a:p>
+          </p:txBody>
+        </p:sp>
+        <p:sp>
+          <p:nvSpPr>
+            <p:cNvPr id="16" name="TextBox 15">
+              <a:extLst>
+                <a:ext uri="{FF2B5EF4-FFF2-40B4-BE49-F238E27FC236}">
+                  <a16:creationId xmlns:a16="http://schemas.microsoft.com/office/drawing/2014/main" id="{64C59707-38EB-49AA-859C-7E825C6EECE3}"/>
+                </a:ext>
+              </a:extLst>
+            </p:cNvPr>
+            <p:cNvSpPr txBox="1"/>
+            <p:nvPr/>
+          </p:nvSpPr>
+          <p:spPr>
+            <a:xfrm>
+              <a:off x="755575" y="290552"/>
+              <a:ext cx="8630262" cy="461665"/>
+            </a:xfrm>
+            <a:prstGeom prst="rect">
+              <a:avLst/>
+            </a:prstGeom>
+            <a:noFill/>
+          </p:spPr>
+          <p:txBody>
+            <a:bodyPr wrap="square" rtlCol="0">
+              <a:spAutoFit/>
+            </a:bodyPr>
+            <a:lstStyle/>
+            <a:p>
+              <a:r>
+                <a:rPr lang="en-US" altLang="ko-KR" sz="2400" dirty="0"/>
+                <a:t>Hierarchical tree of the </a:t>
+              </a:r>
+              <a:r>
+                <a:rPr lang="en-US" altLang="ko-KR" sz="2400" b="1" dirty="0"/>
+                <a:t>subdominant </a:t>
+              </a:r>
+              <a:r>
+                <a:rPr lang="en-US" altLang="ko-KR" sz="2400" b="1" dirty="0" err="1"/>
+                <a:t>ultrametric</a:t>
+              </a:r>
+              <a:r>
+                <a:rPr lang="en-US" altLang="ko-KR" sz="2400" dirty="0"/>
+                <a:t> associated to the MST</a:t>
+              </a:r>
+              <a:endParaRPr lang="ko-KR" altLang="en-US" sz="2400" b="1" dirty="0"/>
+            </a:p>
+          </p:txBody>
+        </p:sp>
+        <p:grpSp>
+          <p:nvGrpSpPr>
+            <p:cNvPr id="17" name="그룹 21">
+              <a:extLst>
+                <a:ext uri="{FF2B5EF4-FFF2-40B4-BE49-F238E27FC236}">
+                  <a16:creationId xmlns:a16="http://schemas.microsoft.com/office/drawing/2014/main" id="{FC03C068-0B2F-4049-9A2C-65CDDCE190CF}"/>
+                </a:ext>
+              </a:extLst>
+            </p:cNvPr>
+            <p:cNvGrpSpPr/>
+            <p:nvPr/>
+          </p:nvGrpSpPr>
+          <p:grpSpPr>
+            <a:xfrm>
+              <a:off x="746867" y="116632"/>
+              <a:ext cx="8324465" cy="765799"/>
+              <a:chOff x="746867" y="116632"/>
+              <a:chExt cx="8324465" cy="765799"/>
+            </a:xfrm>
+            <a:solidFill>
+              <a:srgbClr val="58378D"/>
+            </a:solidFill>
+          </p:grpSpPr>
+          <p:sp>
+            <p:nvSpPr>
+              <p:cNvPr id="21" name="직사각형 20">
+                <a:extLst>
+                  <a:ext uri="{FF2B5EF4-FFF2-40B4-BE49-F238E27FC236}">
+                    <a16:creationId xmlns:a16="http://schemas.microsoft.com/office/drawing/2014/main" id="{A3A4AAA0-F27B-4F12-8E5C-B627897A59B1}"/>
+                  </a:ext>
+                </a:extLst>
+              </p:cNvPr>
+              <p:cNvSpPr/>
+              <p:nvPr/>
+            </p:nvSpPr>
+            <p:spPr>
+              <a:xfrm>
+                <a:off x="746867" y="116632"/>
+                <a:ext cx="8307046" cy="89426"/>
+              </a:xfrm>
+              <a:prstGeom prst="rect">
+                <a:avLst/>
+              </a:prstGeom>
+              <a:grpFill/>
+              <a:ln>
+                <a:noFill/>
+              </a:ln>
+            </p:spPr>
+            <p:style>
+              <a:lnRef idx="2">
+                <a:schemeClr val="accent1">
+                  <a:shade val="50000"/>
+                </a:schemeClr>
+              </a:lnRef>
+              <a:fillRef idx="1">
+                <a:schemeClr val="accent1"/>
+              </a:fillRef>
+              <a:effectRef idx="0">
+                <a:schemeClr val="accent1"/>
+              </a:effectRef>
+              <a:fontRef idx="minor">
+                <a:schemeClr val="lt1"/>
+              </a:fontRef>
+            </p:style>
+            <p:txBody>
+              <a:bodyPr rtlCol="0" anchor="ctr"/>
+              <a:lstStyle/>
+              <a:p>
+                <a:pPr algn="ctr"/>
+                <a:endParaRPr lang="ko-KR" altLang="en-US"/>
+              </a:p>
+            </p:txBody>
+          </p:sp>
+          <p:sp>
+            <p:nvSpPr>
+              <p:cNvPr id="22" name="직사각형 21">
+                <a:extLst>
+                  <a:ext uri="{FF2B5EF4-FFF2-40B4-BE49-F238E27FC236}">
+                    <a16:creationId xmlns:a16="http://schemas.microsoft.com/office/drawing/2014/main" id="{696D9D0D-C56C-4593-9736-340602C4C65E}"/>
+                  </a:ext>
+                </a:extLst>
+              </p:cNvPr>
+              <p:cNvSpPr/>
+              <p:nvPr/>
+            </p:nvSpPr>
+            <p:spPr>
+              <a:xfrm>
+                <a:off x="755576" y="836712"/>
+                <a:ext cx="8315756" cy="45719"/>
+              </a:xfrm>
+              <a:prstGeom prst="rect">
+                <a:avLst/>
+              </a:prstGeom>
+              <a:grpFill/>
+              <a:ln>
+                <a:noFill/>
+              </a:ln>
+            </p:spPr>
+            <p:style>
+              <a:lnRef idx="2">
+                <a:schemeClr val="accent1">
+                  <a:shade val="50000"/>
+                </a:schemeClr>
+              </a:lnRef>
+              <a:fillRef idx="1">
+                <a:schemeClr val="accent1"/>
+              </a:fillRef>
+              <a:effectRef idx="0">
+                <a:schemeClr val="accent1"/>
+              </a:effectRef>
+              <a:fontRef idx="minor">
+                <a:schemeClr val="lt1"/>
+              </a:fontRef>
+            </p:style>
+            <p:txBody>
+              <a:bodyPr rtlCol="0" anchor="ctr"/>
+              <a:lstStyle/>
+              <a:p>
+                <a:pPr algn="ctr"/>
+                <a:endParaRPr lang="ko-KR" altLang="en-US"/>
+              </a:p>
+            </p:txBody>
+          </p:sp>
+        </p:grpSp>
+      </p:grpSp>
     </p:spTree>
     <p:extLst>
       <p:ext uri="{BB962C8B-B14F-4D97-AF65-F5344CB8AC3E}">
@@ -8241,260 +7666,6 @@
           </p:txBody>
         </p:sp>
       </p:grpSp>
-      <p:grpSp>
-        <p:nvGrpSpPr>
-          <p:cNvPr id="2" name="그룹 1">
-            <a:extLst>
-              <a:ext uri="{FF2B5EF4-FFF2-40B4-BE49-F238E27FC236}">
-                <a16:creationId xmlns:a16="http://schemas.microsoft.com/office/drawing/2014/main" id="{B26849C9-4885-4F0C-BBB5-EC9901B6A70F}"/>
-              </a:ext>
-            </a:extLst>
-          </p:cNvPr>
-          <p:cNvGrpSpPr/>
-          <p:nvPr/>
-        </p:nvGrpSpPr>
-        <p:grpSpPr>
-          <a:xfrm>
-            <a:off x="856859" y="116632"/>
-            <a:ext cx="11802127" cy="765799"/>
-            <a:chOff x="746867" y="116632"/>
-            <a:chExt cx="8638971" cy="765799"/>
-          </a:xfrm>
-        </p:grpSpPr>
-        <p:sp>
-          <p:nvSpPr>
-            <p:cNvPr id="3" name="직사각형 2">
-              <a:extLst>
-                <a:ext uri="{FF2B5EF4-FFF2-40B4-BE49-F238E27FC236}">
-                  <a16:creationId xmlns:a16="http://schemas.microsoft.com/office/drawing/2014/main" id="{9F2D8330-BD74-43B3-B7E7-B36C9C7FE6C0}"/>
-                </a:ext>
-              </a:extLst>
-            </p:cNvPr>
-            <p:cNvSpPr/>
-            <p:nvPr/>
-          </p:nvSpPr>
-          <p:spPr>
-            <a:xfrm>
-              <a:off x="755575" y="188640"/>
-              <a:ext cx="8289629" cy="648072"/>
-            </a:xfrm>
-            <a:prstGeom prst="rect">
-              <a:avLst/>
-            </a:prstGeom>
-            <a:ln>
-              <a:solidFill>
-                <a:schemeClr val="bg1"/>
-              </a:solidFill>
-            </a:ln>
-          </p:spPr>
-          <p:style>
-            <a:lnRef idx="2">
-              <a:schemeClr val="dk1"/>
-            </a:lnRef>
-            <a:fillRef idx="1">
-              <a:schemeClr val="lt1"/>
-            </a:fillRef>
-            <a:effectRef idx="0">
-              <a:schemeClr val="dk1"/>
-            </a:effectRef>
-            <a:fontRef idx="minor">
-              <a:schemeClr val="dk1"/>
-            </a:fontRef>
-          </p:style>
-          <p:txBody>
-            <a:bodyPr rtlCol="0" anchor="ctr"/>
-            <a:lstStyle/>
-            <a:p>
-              <a:pPr algn="ctr"/>
-              <a:endParaRPr lang="en-US" altLang="ko-KR" b="1" dirty="0"/>
-            </a:p>
-          </p:txBody>
-        </p:sp>
-        <p:sp>
-          <p:nvSpPr>
-            <p:cNvPr id="4" name="TextBox 3">
-              <a:extLst>
-                <a:ext uri="{FF2B5EF4-FFF2-40B4-BE49-F238E27FC236}">
-                  <a16:creationId xmlns:a16="http://schemas.microsoft.com/office/drawing/2014/main" id="{327DCDE5-501B-45CD-8D22-1C6760047075}"/>
-                </a:ext>
-              </a:extLst>
-            </p:cNvPr>
-            <p:cNvSpPr txBox="1"/>
-            <p:nvPr/>
-          </p:nvSpPr>
-          <p:spPr>
-            <a:xfrm>
-              <a:off x="755576" y="260648"/>
-              <a:ext cx="8630262" cy="523220"/>
-            </a:xfrm>
-            <a:prstGeom prst="rect">
-              <a:avLst/>
-            </a:prstGeom>
-            <a:noFill/>
-          </p:spPr>
-          <p:txBody>
-            <a:bodyPr wrap="square" rtlCol="0">
-              <a:spAutoFit/>
-            </a:bodyPr>
-            <a:lstStyle/>
-            <a:p>
-              <a:r>
-                <a:rPr lang="en-US" altLang="ko-KR" sz="2800" dirty="0"/>
-                <a:t>The</a:t>
-              </a:r>
-              <a:r>
-                <a:rPr lang="en-US" altLang="ko-KR" sz="2800" b="1" dirty="0"/>
-                <a:t> MST </a:t>
-              </a:r>
-              <a:r>
-                <a:rPr lang="en-US" altLang="ko-KR" sz="2400" dirty="0"/>
-                <a:t>associated with a</a:t>
-              </a:r>
-              <a:r>
-                <a:rPr lang="en-US" altLang="ko-KR" sz="2400" b="1" dirty="0"/>
-                <a:t> </a:t>
-              </a:r>
-              <a:r>
-                <a:rPr lang="en-US" altLang="ko-KR" sz="2800" b="1" dirty="0"/>
-                <a:t>subdominant </a:t>
-              </a:r>
-              <a:r>
-                <a:rPr lang="en-US" altLang="ko-KR" sz="2800" b="1" dirty="0" err="1"/>
-                <a:t>ultrametric</a:t>
-              </a:r>
-              <a:r>
-                <a:rPr lang="en-US" altLang="ko-KR" sz="2800" b="1" dirty="0"/>
-                <a:t> distance matrix </a:t>
-              </a:r>
-              <a:endParaRPr lang="ko-KR" altLang="en-US" sz="2800" b="1" dirty="0"/>
-            </a:p>
-          </p:txBody>
-        </p:sp>
-        <p:grpSp>
-          <p:nvGrpSpPr>
-            <p:cNvPr id="5" name="그룹 21">
-              <a:extLst>
-                <a:ext uri="{FF2B5EF4-FFF2-40B4-BE49-F238E27FC236}">
-                  <a16:creationId xmlns:a16="http://schemas.microsoft.com/office/drawing/2014/main" id="{69619CC5-EE2E-4692-BEF6-D0ABE865652B}"/>
-                </a:ext>
-              </a:extLst>
-            </p:cNvPr>
-            <p:cNvGrpSpPr/>
-            <p:nvPr/>
-          </p:nvGrpSpPr>
-          <p:grpSpPr>
-            <a:xfrm>
-              <a:off x="746867" y="116632"/>
-              <a:ext cx="8324465" cy="765799"/>
-              <a:chOff x="746867" y="116632"/>
-              <a:chExt cx="8324465" cy="765799"/>
-            </a:xfrm>
-            <a:solidFill>
-              <a:srgbClr val="58378D"/>
-            </a:solidFill>
-          </p:grpSpPr>
-          <p:sp>
-            <p:nvSpPr>
-              <p:cNvPr id="6" name="직사각형 5">
-                <a:extLst>
-                  <a:ext uri="{FF2B5EF4-FFF2-40B4-BE49-F238E27FC236}">
-                    <a16:creationId xmlns:a16="http://schemas.microsoft.com/office/drawing/2014/main" id="{5A4CCB74-128E-44F5-891F-C51BE31122C7}"/>
-                  </a:ext>
-                </a:extLst>
-              </p:cNvPr>
-              <p:cNvSpPr/>
-              <p:nvPr/>
-            </p:nvSpPr>
-            <p:spPr>
-              <a:xfrm>
-                <a:off x="746867" y="116632"/>
-                <a:ext cx="8307046" cy="89426"/>
-              </a:xfrm>
-              <a:prstGeom prst="rect">
-                <a:avLst/>
-              </a:prstGeom>
-              <a:grpFill/>
-              <a:ln>
-                <a:noFill/>
-              </a:ln>
-            </p:spPr>
-            <p:style>
-              <a:lnRef idx="2">
-                <a:schemeClr val="accent1">
-                  <a:shade val="50000"/>
-                </a:schemeClr>
-              </a:lnRef>
-              <a:fillRef idx="1">
-                <a:schemeClr val="accent1"/>
-              </a:fillRef>
-              <a:effectRef idx="0">
-                <a:schemeClr val="accent1"/>
-              </a:effectRef>
-              <a:fontRef idx="minor">
-                <a:schemeClr val="lt1"/>
-              </a:fontRef>
-            </p:style>
-            <p:txBody>
-              <a:bodyPr rtlCol="0" anchor="ctr"/>
-              <a:lstStyle/>
-              <a:p>
-                <a:pPr algn="ctr"/>
-                <a:endParaRPr lang="ko-KR" altLang="en-US"/>
-              </a:p>
-            </p:txBody>
-          </p:sp>
-          <p:sp>
-            <p:nvSpPr>
-              <p:cNvPr id="7" name="직사각형 6">
-                <a:extLst>
-                  <a:ext uri="{FF2B5EF4-FFF2-40B4-BE49-F238E27FC236}">
-                    <a16:creationId xmlns:a16="http://schemas.microsoft.com/office/drawing/2014/main" id="{2139653F-141E-4C55-B1BC-2984F6B25D93}"/>
-                  </a:ext>
-                </a:extLst>
-              </p:cNvPr>
-              <p:cNvSpPr/>
-              <p:nvPr/>
-            </p:nvSpPr>
-            <p:spPr>
-              <a:xfrm>
-                <a:off x="755576" y="836712"/>
-                <a:ext cx="8315756" cy="45719"/>
-              </a:xfrm>
-              <a:prstGeom prst="rect">
-                <a:avLst/>
-              </a:prstGeom>
-              <a:grpFill/>
-              <a:ln>
-                <a:noFill/>
-              </a:ln>
-            </p:spPr>
-            <p:style>
-              <a:lnRef idx="2">
-                <a:schemeClr val="accent1">
-                  <a:shade val="50000"/>
-                </a:schemeClr>
-              </a:lnRef>
-              <a:fillRef idx="1">
-                <a:schemeClr val="accent1"/>
-              </a:fillRef>
-              <a:effectRef idx="0">
-                <a:schemeClr val="accent1"/>
-              </a:effectRef>
-              <a:fontRef idx="minor">
-                <a:schemeClr val="lt1"/>
-              </a:fontRef>
-            </p:style>
-            <p:txBody>
-              <a:bodyPr rtlCol="0" anchor="ctr"/>
-              <a:lstStyle/>
-              <a:p>
-                <a:pPr algn="ctr"/>
-                <a:endParaRPr lang="ko-KR" altLang="en-US"/>
-              </a:p>
-            </p:txBody>
-          </p:sp>
-        </p:grpSp>
-      </p:grpSp>
       <mc:AlternateContent xmlns:mc="http://schemas.openxmlformats.org/markup-compatibility/2006" xmlns:a14="http://schemas.microsoft.com/office/drawing/2010/main">
         <mc:Choice Requires="a14">
           <p:sp>
@@ -8971,42 +8142,12 @@
           </p:sp>
         </mc:Fallback>
       </mc:AlternateContent>
-    </p:spTree>
-    <p:extLst>
-      <p:ext uri="{BB962C8B-B14F-4D97-AF65-F5344CB8AC3E}">
-        <p14:creationId xmlns:p14="http://schemas.microsoft.com/office/powerpoint/2010/main" val="1907535552"/>
-      </p:ext>
-    </p:extLst>
-  </p:cSld>
-  <p:clrMapOvr>
-    <a:masterClrMapping/>
-  </p:clrMapOvr>
-</p:sld>
-</file>
-
-<file path=ppt/slides/slide14.xml><?xml version="1.0" encoding="utf-8"?>
-<p:sld xmlns:a="http://schemas.openxmlformats.org/drawingml/2006/main" xmlns:r="http://schemas.openxmlformats.org/officeDocument/2006/relationships" xmlns:p="http://schemas.openxmlformats.org/presentationml/2006/main">
-  <p:cSld>
-    <p:spTree>
-      <p:nvGrpSpPr>
-        <p:cNvPr id="1" name=""/>
-        <p:cNvGrpSpPr/>
-        <p:nvPr/>
-      </p:nvGrpSpPr>
-      <p:grpSpPr>
-        <a:xfrm>
-          <a:off x="0" y="0"/>
-          <a:ext cx="0" cy="0"/>
-          <a:chOff x="0" y="0"/>
-          <a:chExt cx="0" cy="0"/>
-        </a:xfrm>
-      </p:grpSpPr>
       <p:grpSp>
         <p:nvGrpSpPr>
-          <p:cNvPr id="2" name="그룹 1">
+          <p:cNvPr id="13" name="그룹 12">
             <a:extLst>
               <a:ext uri="{FF2B5EF4-FFF2-40B4-BE49-F238E27FC236}">
-                <a16:creationId xmlns:a16="http://schemas.microsoft.com/office/drawing/2014/main" id="{B26849C9-4885-4F0C-BBB5-EC9901B6A70F}"/>
+                <a16:creationId xmlns:a16="http://schemas.microsoft.com/office/drawing/2014/main" id="{B3045DEC-2642-44FD-B40B-869CB03DD94E}"/>
               </a:ext>
             </a:extLst>
           </p:cNvPr>
@@ -9016,17 +8157,17 @@
         <p:grpSpPr>
           <a:xfrm>
             <a:off x="856859" y="116632"/>
-            <a:ext cx="11802127" cy="765799"/>
+            <a:ext cx="11802126" cy="765799"/>
             <a:chOff x="746867" y="116632"/>
-            <a:chExt cx="8638971" cy="765799"/>
+            <a:chExt cx="8638970" cy="765799"/>
           </a:xfrm>
         </p:grpSpPr>
         <p:sp>
           <p:nvSpPr>
-            <p:cNvPr id="3" name="직사각형 2">
+            <p:cNvPr id="14" name="직사각형 13">
               <a:extLst>
                 <a:ext uri="{FF2B5EF4-FFF2-40B4-BE49-F238E27FC236}">
-                  <a16:creationId xmlns:a16="http://schemas.microsoft.com/office/drawing/2014/main" id="{9F2D8330-BD74-43B3-B7E7-B36C9C7FE6C0}"/>
+                  <a16:creationId xmlns:a16="http://schemas.microsoft.com/office/drawing/2014/main" id="{46AEA7A3-4F0F-4B54-9735-B7F7FBA3B05C}"/>
                 </a:ext>
               </a:extLst>
             </p:cNvPr>
@@ -9072,10 +8213,10 @@
         </p:sp>
         <p:sp>
           <p:nvSpPr>
-            <p:cNvPr id="4" name="TextBox 3">
+            <p:cNvPr id="15" name="TextBox 14">
               <a:extLst>
                 <a:ext uri="{FF2B5EF4-FFF2-40B4-BE49-F238E27FC236}">
-                  <a16:creationId xmlns:a16="http://schemas.microsoft.com/office/drawing/2014/main" id="{327DCDE5-501B-45CD-8D22-1C6760047075}"/>
+                  <a16:creationId xmlns:a16="http://schemas.microsoft.com/office/drawing/2014/main" id="{037BC491-D26B-4AA5-9F0C-2BD25A5A8D86}"/>
                 </a:ext>
               </a:extLst>
             </p:cNvPr>
@@ -9084,8 +8225,8 @@
           </p:nvSpPr>
           <p:spPr>
             <a:xfrm>
-              <a:off x="755576" y="260648"/>
-              <a:ext cx="8630262" cy="523220"/>
+              <a:off x="755575" y="290552"/>
+              <a:ext cx="8630262" cy="461665"/>
             </a:xfrm>
             <a:prstGeom prst="rect">
               <a:avLst/>
@@ -9099,19 +8240,31 @@
             <a:lstStyle/>
             <a:p>
               <a:r>
-                <a:rPr lang="en-US" altLang="ko-KR" sz="2800" b="1" dirty="0"/>
-                <a:t>Experiments</a:t>
+                <a:rPr lang="en-US" altLang="ko-KR" sz="2400" dirty="0"/>
+                <a:t>Hierarchical tree of the </a:t>
               </a:r>
-              <a:endParaRPr lang="ko-KR" altLang="en-US" sz="2800" b="1" dirty="0"/>
+              <a:r>
+                <a:rPr lang="en-US" altLang="ko-KR" sz="2400" b="1" dirty="0"/>
+                <a:t>subdominant </a:t>
+              </a:r>
+              <a:r>
+                <a:rPr lang="en-US" altLang="ko-KR" sz="2400" b="1" dirty="0" err="1"/>
+                <a:t>ultrametric</a:t>
+              </a:r>
+              <a:r>
+                <a:rPr lang="en-US" altLang="ko-KR" sz="2400" dirty="0"/>
+                <a:t> associated to the MST</a:t>
+              </a:r>
+              <a:endParaRPr lang="ko-KR" altLang="en-US" sz="2400" b="1" dirty="0"/>
             </a:p>
           </p:txBody>
         </p:sp>
         <p:grpSp>
           <p:nvGrpSpPr>
-            <p:cNvPr id="5" name="그룹 21">
+            <p:cNvPr id="18" name="그룹 21">
               <a:extLst>
                 <a:ext uri="{FF2B5EF4-FFF2-40B4-BE49-F238E27FC236}">
-                  <a16:creationId xmlns:a16="http://schemas.microsoft.com/office/drawing/2014/main" id="{69619CC5-EE2E-4692-BEF6-D0ABE865652B}"/>
+                  <a16:creationId xmlns:a16="http://schemas.microsoft.com/office/drawing/2014/main" id="{52B54592-9563-49B6-AFC3-DD7B169A5C8D}"/>
                 </a:ext>
               </a:extLst>
             </p:cNvPr>
@@ -9131,10 +8284,10 @@
           </p:grpSpPr>
           <p:sp>
             <p:nvSpPr>
-              <p:cNvPr id="6" name="직사각형 5">
+              <p:cNvPr id="19" name="직사각형 18">
                 <a:extLst>
                   <a:ext uri="{FF2B5EF4-FFF2-40B4-BE49-F238E27FC236}">
-                    <a16:creationId xmlns:a16="http://schemas.microsoft.com/office/drawing/2014/main" id="{5A4CCB74-128E-44F5-891F-C51BE31122C7}"/>
+                    <a16:creationId xmlns:a16="http://schemas.microsoft.com/office/drawing/2014/main" id="{089C559D-DECA-44A4-9B6A-1AD0A2FF87D4}"/>
                   </a:ext>
                 </a:extLst>
               </p:cNvPr>
@@ -9181,10 +8334,10 @@
           </p:sp>
           <p:sp>
             <p:nvSpPr>
-              <p:cNvPr id="7" name="직사각형 6">
+              <p:cNvPr id="21" name="직사각형 20">
                 <a:extLst>
                   <a:ext uri="{FF2B5EF4-FFF2-40B4-BE49-F238E27FC236}">
-                    <a16:creationId xmlns:a16="http://schemas.microsoft.com/office/drawing/2014/main" id="{2139653F-141E-4C55-B1BC-2984F6B25D93}"/>
+                    <a16:creationId xmlns:a16="http://schemas.microsoft.com/office/drawing/2014/main" id="{E1BCE071-3B96-452A-AF15-D8588F7F5CBE}"/>
                   </a:ext>
                 </a:extLst>
               </p:cNvPr>
@@ -9231,1255 +8384,10 @@
           </p:sp>
         </p:grpSp>
       </p:grpSp>
-      <p:sp>
-        <p:nvSpPr>
-          <p:cNvPr id="11" name="TextBox 10">
-            <a:extLst>
-              <a:ext uri="{FF2B5EF4-FFF2-40B4-BE49-F238E27FC236}">
-                <a16:creationId xmlns:a16="http://schemas.microsoft.com/office/drawing/2014/main" id="{3963206E-8484-43ED-B313-C9B16A523821}"/>
-              </a:ext>
-            </a:extLst>
-          </p:cNvPr>
-          <p:cNvSpPr txBox="1"/>
-          <p:nvPr/>
-        </p:nvSpPr>
-        <p:spPr>
-          <a:xfrm>
-            <a:off x="868755" y="1038225"/>
-            <a:ext cx="7381875" cy="369332"/>
-          </a:xfrm>
-          <a:prstGeom prst="rect">
-            <a:avLst/>
-          </a:prstGeom>
-          <a:noFill/>
-        </p:spPr>
-        <p:txBody>
-          <a:bodyPr wrap="square" rtlCol="0">
-            <a:spAutoFit/>
-          </a:bodyPr>
-          <a:lstStyle/>
-          <a:p>
-            <a:r>
-              <a:rPr lang="en-US" altLang="ko-KR" b="1" dirty="0"/>
-              <a:t>1. Original dataset</a:t>
-            </a:r>
-            <a:endParaRPr lang="ko-KR" altLang="en-US" b="1" dirty="0"/>
-          </a:p>
-        </p:txBody>
-      </p:sp>
-      <p:pic>
-        <p:nvPicPr>
-          <p:cNvPr id="13" name="그림 12">
-            <a:extLst>
-              <a:ext uri="{FF2B5EF4-FFF2-40B4-BE49-F238E27FC236}">
-                <a16:creationId xmlns:a16="http://schemas.microsoft.com/office/drawing/2014/main" id="{443E928F-8A38-458C-B780-3B8161E68951}"/>
-              </a:ext>
-            </a:extLst>
-          </p:cNvPr>
-          <p:cNvPicPr>
-            <a:picLocks noChangeAspect="1"/>
-          </p:cNvPicPr>
-          <p:nvPr/>
-        </p:nvPicPr>
-        <p:blipFill rotWithShape="1">
-          <a:blip r:embed="rId3">
-            <a:extLst>
-              <a:ext uri="{28A0092B-C50C-407E-A947-70E740481C1C}">
-                <a14:useLocalDpi xmlns:a14="http://schemas.microsoft.com/office/drawing/2010/main" val="0"/>
-              </a:ext>
-            </a:extLst>
-          </a:blip>
-          <a:srcRect l="12124" t="14611" r="6030" b="18059"/>
-          <a:stretch/>
-        </p:blipFill>
-        <p:spPr>
-          <a:xfrm>
-            <a:off x="304799" y="1563351"/>
-            <a:ext cx="6124576" cy="3711334"/>
-          </a:xfrm>
-          <a:prstGeom prst="rect">
-            <a:avLst/>
-          </a:prstGeom>
-          <a:ln w="28575">
-            <a:solidFill>
-              <a:schemeClr val="bg2">
-                <a:lumMod val="50000"/>
-              </a:schemeClr>
-            </a:solidFill>
-          </a:ln>
-        </p:spPr>
-      </p:pic>
-      <p:pic>
-        <p:nvPicPr>
-          <p:cNvPr id="15" name="그림 14">
-            <a:extLst>
-              <a:ext uri="{FF2B5EF4-FFF2-40B4-BE49-F238E27FC236}">
-                <a16:creationId xmlns:a16="http://schemas.microsoft.com/office/drawing/2014/main" id="{C2743D93-5AFF-44A9-96C6-67E85C0820FF}"/>
-              </a:ext>
-            </a:extLst>
-          </p:cNvPr>
-          <p:cNvPicPr>
-            <a:picLocks noChangeAspect="1"/>
-          </p:cNvPicPr>
-          <p:nvPr/>
-        </p:nvPicPr>
-        <p:blipFill rotWithShape="1">
-          <a:blip r:embed="rId4">
-            <a:extLst>
-              <a:ext uri="{28A0092B-C50C-407E-A947-70E740481C1C}">
-                <a14:useLocalDpi xmlns:a14="http://schemas.microsoft.com/office/drawing/2010/main" val="0"/>
-              </a:ext>
-            </a:extLst>
-          </a:blip>
-          <a:srcRect l="4284" r="6424" b="18124"/>
-          <a:stretch/>
-        </p:blipFill>
-        <p:spPr>
-          <a:xfrm>
-            <a:off x="6467474" y="1560194"/>
-            <a:ext cx="5524501" cy="3731520"/>
-          </a:xfrm>
-          <a:prstGeom prst="rect">
-            <a:avLst/>
-          </a:prstGeom>
-          <a:ln w="28575">
-            <a:solidFill>
-              <a:schemeClr val="bg2">
-                <a:lumMod val="50000"/>
-              </a:schemeClr>
-            </a:solidFill>
-          </a:ln>
-        </p:spPr>
-      </p:pic>
     </p:spTree>
     <p:extLst>
       <p:ext uri="{BB962C8B-B14F-4D97-AF65-F5344CB8AC3E}">
-        <p14:creationId xmlns:p14="http://schemas.microsoft.com/office/powerpoint/2010/main" val="2652299728"/>
-      </p:ext>
-    </p:extLst>
-  </p:cSld>
-  <p:clrMapOvr>
-    <a:masterClrMapping/>
-  </p:clrMapOvr>
-</p:sld>
-</file>
-
-<file path=ppt/slides/slide15.xml><?xml version="1.0" encoding="utf-8"?>
-<p:sld xmlns:a="http://schemas.openxmlformats.org/drawingml/2006/main" xmlns:r="http://schemas.openxmlformats.org/officeDocument/2006/relationships" xmlns:p="http://schemas.openxmlformats.org/presentationml/2006/main">
-  <p:cSld>
-    <p:spTree>
-      <p:nvGrpSpPr>
-        <p:cNvPr id="1" name=""/>
-        <p:cNvGrpSpPr/>
-        <p:nvPr/>
-      </p:nvGrpSpPr>
-      <p:grpSpPr>
-        <a:xfrm>
-          <a:off x="0" y="0"/>
-          <a:ext cx="0" cy="0"/>
-          <a:chOff x="0" y="0"/>
-          <a:chExt cx="0" cy="0"/>
-        </a:xfrm>
-      </p:grpSpPr>
-      <p:grpSp>
-        <p:nvGrpSpPr>
-          <p:cNvPr id="2" name="그룹 1">
-            <a:extLst>
-              <a:ext uri="{FF2B5EF4-FFF2-40B4-BE49-F238E27FC236}">
-                <a16:creationId xmlns:a16="http://schemas.microsoft.com/office/drawing/2014/main" id="{B26849C9-4885-4F0C-BBB5-EC9901B6A70F}"/>
-              </a:ext>
-            </a:extLst>
-          </p:cNvPr>
-          <p:cNvGrpSpPr/>
-          <p:nvPr/>
-        </p:nvGrpSpPr>
-        <p:grpSpPr>
-          <a:xfrm>
-            <a:off x="856859" y="116632"/>
-            <a:ext cx="11802127" cy="765799"/>
-            <a:chOff x="746867" y="116632"/>
-            <a:chExt cx="8638971" cy="765799"/>
-          </a:xfrm>
-        </p:grpSpPr>
-        <p:sp>
-          <p:nvSpPr>
-            <p:cNvPr id="3" name="직사각형 2">
-              <a:extLst>
-                <a:ext uri="{FF2B5EF4-FFF2-40B4-BE49-F238E27FC236}">
-                  <a16:creationId xmlns:a16="http://schemas.microsoft.com/office/drawing/2014/main" id="{9F2D8330-BD74-43B3-B7E7-B36C9C7FE6C0}"/>
-                </a:ext>
-              </a:extLst>
-            </p:cNvPr>
-            <p:cNvSpPr/>
-            <p:nvPr/>
-          </p:nvSpPr>
-          <p:spPr>
-            <a:xfrm>
-              <a:off x="755575" y="188640"/>
-              <a:ext cx="8289629" cy="648072"/>
-            </a:xfrm>
-            <a:prstGeom prst="rect">
-              <a:avLst/>
-            </a:prstGeom>
-            <a:ln>
-              <a:solidFill>
-                <a:schemeClr val="bg1"/>
-              </a:solidFill>
-            </a:ln>
-          </p:spPr>
-          <p:style>
-            <a:lnRef idx="2">
-              <a:schemeClr val="dk1"/>
-            </a:lnRef>
-            <a:fillRef idx="1">
-              <a:schemeClr val="lt1"/>
-            </a:fillRef>
-            <a:effectRef idx="0">
-              <a:schemeClr val="dk1"/>
-            </a:effectRef>
-            <a:fontRef idx="minor">
-              <a:schemeClr val="dk1"/>
-            </a:fontRef>
-          </p:style>
-          <p:txBody>
-            <a:bodyPr rtlCol="0" anchor="ctr"/>
-            <a:lstStyle/>
-            <a:p>
-              <a:pPr algn="ctr"/>
-              <a:endParaRPr lang="en-US" altLang="ko-KR" b="1" dirty="0"/>
-            </a:p>
-          </p:txBody>
-        </p:sp>
-        <p:sp>
-          <p:nvSpPr>
-            <p:cNvPr id="4" name="TextBox 3">
-              <a:extLst>
-                <a:ext uri="{FF2B5EF4-FFF2-40B4-BE49-F238E27FC236}">
-                  <a16:creationId xmlns:a16="http://schemas.microsoft.com/office/drawing/2014/main" id="{327DCDE5-501B-45CD-8D22-1C6760047075}"/>
-                </a:ext>
-              </a:extLst>
-            </p:cNvPr>
-            <p:cNvSpPr txBox="1"/>
-            <p:nvPr/>
-          </p:nvSpPr>
-          <p:spPr>
-            <a:xfrm>
-              <a:off x="755576" y="260648"/>
-              <a:ext cx="8630262" cy="523220"/>
-            </a:xfrm>
-            <a:prstGeom prst="rect">
-              <a:avLst/>
-            </a:prstGeom>
-            <a:noFill/>
-          </p:spPr>
-          <p:txBody>
-            <a:bodyPr wrap="square" rtlCol="0">
-              <a:spAutoFit/>
-            </a:bodyPr>
-            <a:lstStyle/>
-            <a:p>
-              <a:r>
-                <a:rPr lang="en-US" altLang="ko-KR" sz="2800" b="1" dirty="0"/>
-                <a:t>Experiments</a:t>
-              </a:r>
-              <a:endParaRPr lang="ko-KR" altLang="en-US" sz="2800" b="1" dirty="0"/>
-            </a:p>
-          </p:txBody>
-        </p:sp>
-        <p:grpSp>
-          <p:nvGrpSpPr>
-            <p:cNvPr id="5" name="그룹 21">
-              <a:extLst>
-                <a:ext uri="{FF2B5EF4-FFF2-40B4-BE49-F238E27FC236}">
-                  <a16:creationId xmlns:a16="http://schemas.microsoft.com/office/drawing/2014/main" id="{69619CC5-EE2E-4692-BEF6-D0ABE865652B}"/>
-                </a:ext>
-              </a:extLst>
-            </p:cNvPr>
-            <p:cNvGrpSpPr/>
-            <p:nvPr/>
-          </p:nvGrpSpPr>
-          <p:grpSpPr>
-            <a:xfrm>
-              <a:off x="746867" y="116632"/>
-              <a:ext cx="8324465" cy="765799"/>
-              <a:chOff x="746867" y="116632"/>
-              <a:chExt cx="8324465" cy="765799"/>
-            </a:xfrm>
-            <a:solidFill>
-              <a:srgbClr val="58378D"/>
-            </a:solidFill>
-          </p:grpSpPr>
-          <p:sp>
-            <p:nvSpPr>
-              <p:cNvPr id="6" name="직사각형 5">
-                <a:extLst>
-                  <a:ext uri="{FF2B5EF4-FFF2-40B4-BE49-F238E27FC236}">
-                    <a16:creationId xmlns:a16="http://schemas.microsoft.com/office/drawing/2014/main" id="{5A4CCB74-128E-44F5-891F-C51BE31122C7}"/>
-                  </a:ext>
-                </a:extLst>
-              </p:cNvPr>
-              <p:cNvSpPr/>
-              <p:nvPr/>
-            </p:nvSpPr>
-            <p:spPr>
-              <a:xfrm>
-                <a:off x="746867" y="116632"/>
-                <a:ext cx="8307046" cy="89426"/>
-              </a:xfrm>
-              <a:prstGeom prst="rect">
-                <a:avLst/>
-              </a:prstGeom>
-              <a:grpFill/>
-              <a:ln>
-                <a:noFill/>
-              </a:ln>
-            </p:spPr>
-            <p:style>
-              <a:lnRef idx="2">
-                <a:schemeClr val="accent1">
-                  <a:shade val="50000"/>
-                </a:schemeClr>
-              </a:lnRef>
-              <a:fillRef idx="1">
-                <a:schemeClr val="accent1"/>
-              </a:fillRef>
-              <a:effectRef idx="0">
-                <a:schemeClr val="accent1"/>
-              </a:effectRef>
-              <a:fontRef idx="minor">
-                <a:schemeClr val="lt1"/>
-              </a:fontRef>
-            </p:style>
-            <p:txBody>
-              <a:bodyPr rtlCol="0" anchor="ctr"/>
-              <a:lstStyle/>
-              <a:p>
-                <a:pPr algn="ctr"/>
-                <a:endParaRPr lang="ko-KR" altLang="en-US"/>
-              </a:p>
-            </p:txBody>
-          </p:sp>
-          <p:sp>
-            <p:nvSpPr>
-              <p:cNvPr id="7" name="직사각형 6">
-                <a:extLst>
-                  <a:ext uri="{FF2B5EF4-FFF2-40B4-BE49-F238E27FC236}">
-                    <a16:creationId xmlns:a16="http://schemas.microsoft.com/office/drawing/2014/main" id="{2139653F-141E-4C55-B1BC-2984F6B25D93}"/>
-                  </a:ext>
-                </a:extLst>
-              </p:cNvPr>
-              <p:cNvSpPr/>
-              <p:nvPr/>
-            </p:nvSpPr>
-            <p:spPr>
-              <a:xfrm>
-                <a:off x="755576" y="836712"/>
-                <a:ext cx="8315756" cy="45719"/>
-              </a:xfrm>
-              <a:prstGeom prst="rect">
-                <a:avLst/>
-              </a:prstGeom>
-              <a:grpFill/>
-              <a:ln>
-                <a:noFill/>
-              </a:ln>
-            </p:spPr>
-            <p:style>
-              <a:lnRef idx="2">
-                <a:schemeClr val="accent1">
-                  <a:shade val="50000"/>
-                </a:schemeClr>
-              </a:lnRef>
-              <a:fillRef idx="1">
-                <a:schemeClr val="accent1"/>
-              </a:fillRef>
-              <a:effectRef idx="0">
-                <a:schemeClr val="accent1"/>
-              </a:effectRef>
-              <a:fontRef idx="minor">
-                <a:schemeClr val="lt1"/>
-              </a:fontRef>
-            </p:style>
-            <p:txBody>
-              <a:bodyPr rtlCol="0" anchor="ctr"/>
-              <a:lstStyle/>
-              <a:p>
-                <a:pPr algn="ctr"/>
-                <a:endParaRPr lang="ko-KR" altLang="en-US"/>
-              </a:p>
-            </p:txBody>
-          </p:sp>
-        </p:grpSp>
-      </p:grpSp>
-      <mc:AlternateContent xmlns:mc="http://schemas.openxmlformats.org/markup-compatibility/2006" xmlns:a14="http://schemas.microsoft.com/office/drawing/2010/main">
-        <mc:Choice Requires="a14">
-          <p:sp>
-            <p:nvSpPr>
-              <p:cNvPr id="11" name="TextBox 10">
-                <a:extLst>
-                  <a:ext uri="{FF2B5EF4-FFF2-40B4-BE49-F238E27FC236}">
-                    <a16:creationId xmlns:a16="http://schemas.microsoft.com/office/drawing/2014/main" id="{3963206E-8484-43ED-B313-C9B16A523821}"/>
-                  </a:ext>
-                </a:extLst>
-              </p:cNvPr>
-              <p:cNvSpPr txBox="1"/>
-              <p:nvPr/>
-            </p:nvSpPr>
-            <p:spPr>
-              <a:xfrm>
-                <a:off x="868755" y="1038225"/>
-                <a:ext cx="7381875" cy="404983"/>
-              </a:xfrm>
-              <a:prstGeom prst="rect">
-                <a:avLst/>
-              </a:prstGeom>
-              <a:noFill/>
-            </p:spPr>
-            <p:txBody>
-              <a:bodyPr wrap="square" rtlCol="0">
-                <a:spAutoFit/>
-              </a:bodyPr>
-              <a:lstStyle/>
-              <a:p>
-                <a:r>
-                  <a:rPr lang="en-US" altLang="ko-KR" b="1" dirty="0"/>
-                  <a:t>2. Logarithm dataset </a:t>
-                </a:r>
-                <a14:m>
-                  <m:oMath xmlns:m="http://schemas.openxmlformats.org/officeDocument/2006/math">
-                    <m:r>
-                      <a:rPr lang="en-US" altLang="ko-KR" b="1" i="1" smtClean="0">
-                        <a:latin typeface="Cambria Math" panose="02040503050406030204" pitchFamily="18" charset="0"/>
-                      </a:rPr>
-                      <m:t>(</m:t>
-                    </m:r>
-                    <m:r>
-                      <a:rPr lang="en-US" altLang="ko-KR" b="1" i="1" smtClean="0">
-                        <a:latin typeface="Cambria Math" panose="02040503050406030204" pitchFamily="18" charset="0"/>
-                      </a:rPr>
-                      <m:t>𝒀</m:t>
-                    </m:r>
-                    <m:r>
-                      <a:rPr lang="en-US" altLang="ko-KR" b="1" i="1" smtClean="0">
-                        <a:latin typeface="Cambria Math" panose="02040503050406030204" pitchFamily="18" charset="0"/>
-                      </a:rPr>
-                      <m:t>=</m:t>
-                    </m:r>
-                    <m:r>
-                      <a:rPr lang="en-US" altLang="ko-KR" b="1" i="1" smtClean="0">
-                        <a:latin typeface="Cambria Math" panose="02040503050406030204" pitchFamily="18" charset="0"/>
-                      </a:rPr>
-                      <m:t>𝒍𝒏</m:t>
-                    </m:r>
-                    <m:r>
-                      <a:rPr lang="en-US" altLang="ko-KR" b="1" i="1" smtClean="0">
-                        <a:latin typeface="Cambria Math" panose="02040503050406030204" pitchFamily="18" charset="0"/>
-                      </a:rPr>
-                      <m:t>(</m:t>
-                    </m:r>
-                    <m:r>
-                      <a:rPr lang="en-US" altLang="ko-KR" b="1" i="1" smtClean="0">
-                        <a:latin typeface="Cambria Math" panose="02040503050406030204" pitchFamily="18" charset="0"/>
-                      </a:rPr>
-                      <m:t>𝑷</m:t>
-                    </m:r>
-                    <m:d>
-                      <m:dPr>
-                        <m:ctrlPr>
-                          <a:rPr lang="en-US" altLang="ko-KR" b="1" i="1" smtClean="0">
-                            <a:latin typeface="Cambria Math" panose="02040503050406030204" pitchFamily="18" charset="0"/>
-                          </a:rPr>
-                        </m:ctrlPr>
-                      </m:dPr>
-                      <m:e>
-                        <m:r>
-                          <a:rPr lang="en-US" altLang="ko-KR" b="1" i="1" smtClean="0">
-                            <a:latin typeface="Cambria Math" panose="02040503050406030204" pitchFamily="18" charset="0"/>
-                          </a:rPr>
-                          <m:t>𝒕</m:t>
-                        </m:r>
-                      </m:e>
-                    </m:d>
-                    <m:r>
-                      <a:rPr lang="en-US" altLang="ko-KR" b="1" i="1" smtClean="0">
-                        <a:latin typeface="Cambria Math" panose="02040503050406030204" pitchFamily="18" charset="0"/>
-                      </a:rPr>
-                      <m:t>)−</m:t>
-                    </m:r>
-                    <m:r>
-                      <a:rPr lang="en-US" altLang="ko-KR" b="1" i="1" smtClean="0">
-                        <a:latin typeface="Cambria Math" panose="02040503050406030204" pitchFamily="18" charset="0"/>
-                      </a:rPr>
-                      <m:t>𝒍𝒏</m:t>
-                    </m:r>
-                    <m:d>
-                      <m:dPr>
-                        <m:ctrlPr>
-                          <a:rPr lang="en-US" altLang="ko-KR" b="1" i="1" smtClean="0">
-                            <a:latin typeface="Cambria Math" panose="02040503050406030204" pitchFamily="18" charset="0"/>
-                          </a:rPr>
-                        </m:ctrlPr>
-                      </m:dPr>
-                      <m:e>
-                        <m:r>
-                          <a:rPr lang="en-US" altLang="ko-KR" b="1" i="1" smtClean="0">
-                            <a:latin typeface="Cambria Math" panose="02040503050406030204" pitchFamily="18" charset="0"/>
-                          </a:rPr>
-                          <m:t>𝑷</m:t>
-                        </m:r>
-                        <m:d>
-                          <m:dPr>
-                            <m:ctrlPr>
-                              <a:rPr lang="en-US" altLang="ko-KR" b="1" i="1" smtClean="0">
-                                <a:latin typeface="Cambria Math" panose="02040503050406030204" pitchFamily="18" charset="0"/>
-                              </a:rPr>
-                            </m:ctrlPr>
-                          </m:dPr>
-                          <m:e>
-                            <m:r>
-                              <a:rPr lang="en-US" altLang="ko-KR" b="1" i="1" smtClean="0">
-                                <a:latin typeface="Cambria Math" panose="02040503050406030204" pitchFamily="18" charset="0"/>
-                              </a:rPr>
-                              <m:t>𝒕</m:t>
-                            </m:r>
-                            <m:r>
-                              <a:rPr lang="en-US" altLang="ko-KR" b="1" i="1" smtClean="0">
-                                <a:latin typeface="Cambria Math" panose="02040503050406030204" pitchFamily="18" charset="0"/>
-                              </a:rPr>
-                              <m:t>−</m:t>
-                            </m:r>
-                            <m:r>
-                              <a:rPr lang="en-US" altLang="ko-KR" b="1" i="1" smtClean="0">
-                                <a:latin typeface="Cambria Math" panose="02040503050406030204" pitchFamily="18" charset="0"/>
-                              </a:rPr>
-                              <m:t>𝟏</m:t>
-                            </m:r>
-                          </m:e>
-                        </m:d>
-                      </m:e>
-                    </m:d>
-                    <m:r>
-                      <a:rPr lang="en-US" altLang="ko-KR" b="1" i="1" smtClean="0">
-                        <a:latin typeface="Cambria Math" panose="02040503050406030204" pitchFamily="18" charset="0"/>
-                      </a:rPr>
-                      <m:t>)</m:t>
-                    </m:r>
-                  </m:oMath>
-                </a14:m>
-                <a:endParaRPr lang="ko-KR" altLang="en-US" b="1" dirty="0"/>
-              </a:p>
-            </p:txBody>
-          </p:sp>
-        </mc:Choice>
-        <mc:Fallback xmlns="">
-          <p:sp>
-            <p:nvSpPr>
-              <p:cNvPr id="11" name="TextBox 10">
-                <a:extLst>
-                  <a:ext uri="{FF2B5EF4-FFF2-40B4-BE49-F238E27FC236}">
-                    <a16:creationId xmlns:a16="http://schemas.microsoft.com/office/drawing/2014/main" id="{3963206E-8484-43ED-B313-C9B16A523821}"/>
-                  </a:ext>
-                </a:extLst>
-              </p:cNvPr>
-              <p:cNvSpPr txBox="1">
-                <a:spLocks noRot="1" noChangeAspect="1" noMove="1" noResize="1" noEditPoints="1" noAdjustHandles="1" noChangeArrowheads="1" noChangeShapeType="1" noTextEdit="1"/>
-              </p:cNvSpPr>
-              <p:nvPr/>
-            </p:nvSpPr>
-            <p:spPr>
-              <a:xfrm>
-                <a:off x="868755" y="1038225"/>
-                <a:ext cx="7381875" cy="404983"/>
-              </a:xfrm>
-              <a:prstGeom prst="rect">
-                <a:avLst/>
-              </a:prstGeom>
-              <a:blipFill>
-                <a:blip r:embed="rId3"/>
-                <a:stretch>
-                  <a:fillRect l="-744" t="-4478" b="-16418"/>
-                </a:stretch>
-              </a:blipFill>
-            </p:spPr>
-            <p:txBody>
-              <a:bodyPr/>
-              <a:lstStyle/>
-              <a:p>
-                <a:r>
-                  <a:rPr lang="ko-KR" altLang="en-US">
-                    <a:noFill/>
-                  </a:rPr>
-                  <a:t> </a:t>
-                </a:r>
-              </a:p>
-            </p:txBody>
-          </p:sp>
-        </mc:Fallback>
-      </mc:AlternateContent>
-      <p:pic>
-        <p:nvPicPr>
-          <p:cNvPr id="9" name="그림 8">
-            <a:extLst>
-              <a:ext uri="{FF2B5EF4-FFF2-40B4-BE49-F238E27FC236}">
-                <a16:creationId xmlns:a16="http://schemas.microsoft.com/office/drawing/2014/main" id="{389AA99A-6B38-4F00-A0E6-F480970BF4B7}"/>
-              </a:ext>
-            </a:extLst>
-          </p:cNvPr>
-          <p:cNvPicPr>
-            <a:picLocks noChangeAspect="1"/>
-          </p:cNvPicPr>
-          <p:nvPr/>
-        </p:nvPicPr>
-        <p:blipFill rotWithShape="1">
-          <a:blip r:embed="rId4">
-            <a:extLst>
-              <a:ext uri="{28A0092B-C50C-407E-A947-70E740481C1C}">
-                <a14:useLocalDpi xmlns:a14="http://schemas.microsoft.com/office/drawing/2010/main" val="0"/>
-              </a:ext>
-            </a:extLst>
-          </a:blip>
-          <a:srcRect l="11767" t="15055" r="5979" b="18613"/>
-          <a:stretch/>
-        </p:blipFill>
-        <p:spPr>
-          <a:xfrm>
-            <a:off x="123824" y="1702960"/>
-            <a:ext cx="6256155" cy="3716480"/>
-          </a:xfrm>
-          <a:prstGeom prst="rect">
-            <a:avLst/>
-          </a:prstGeom>
-          <a:ln w="28575">
-            <a:solidFill>
-              <a:schemeClr val="bg2">
-                <a:lumMod val="50000"/>
-              </a:schemeClr>
-            </a:solidFill>
-          </a:ln>
-        </p:spPr>
-      </p:pic>
-      <p:pic>
-        <p:nvPicPr>
-          <p:cNvPr id="12" name="그림 11">
-            <a:extLst>
-              <a:ext uri="{FF2B5EF4-FFF2-40B4-BE49-F238E27FC236}">
-                <a16:creationId xmlns:a16="http://schemas.microsoft.com/office/drawing/2014/main" id="{0A20AD04-21E3-4016-AC6B-487A5D8D4376}"/>
-              </a:ext>
-            </a:extLst>
-          </p:cNvPr>
-          <p:cNvPicPr>
-            <a:picLocks noChangeAspect="1"/>
-          </p:cNvPicPr>
-          <p:nvPr/>
-        </p:nvPicPr>
-        <p:blipFill rotWithShape="1">
-          <a:blip r:embed="rId5">
-            <a:extLst>
-              <a:ext uri="{28A0092B-C50C-407E-A947-70E740481C1C}">
-                <a14:useLocalDpi xmlns:a14="http://schemas.microsoft.com/office/drawing/2010/main" val="0"/>
-              </a:ext>
-            </a:extLst>
-          </a:blip>
-          <a:srcRect l="4151" r="5755" b="17881"/>
-          <a:stretch/>
-        </p:blipFill>
-        <p:spPr>
-          <a:xfrm>
-            <a:off x="6419849" y="1682141"/>
-            <a:ext cx="5572125" cy="3741247"/>
-          </a:xfrm>
-          <a:prstGeom prst="rect">
-            <a:avLst/>
-          </a:prstGeom>
-          <a:ln w="28575">
-            <a:solidFill>
-              <a:schemeClr val="bg2">
-                <a:lumMod val="50000"/>
-              </a:schemeClr>
-            </a:solidFill>
-          </a:ln>
-        </p:spPr>
-      </p:pic>
-    </p:spTree>
-    <p:extLst>
-      <p:ext uri="{BB962C8B-B14F-4D97-AF65-F5344CB8AC3E}">
-        <p14:creationId xmlns:p14="http://schemas.microsoft.com/office/powerpoint/2010/main" val="3654541722"/>
-      </p:ext>
-    </p:extLst>
-  </p:cSld>
-  <p:clrMapOvr>
-    <a:masterClrMapping/>
-  </p:clrMapOvr>
-</p:sld>
-</file>
-
-<file path=ppt/slides/slide16.xml><?xml version="1.0" encoding="utf-8"?>
-<p:sld xmlns:a="http://schemas.openxmlformats.org/drawingml/2006/main" xmlns:r="http://schemas.openxmlformats.org/officeDocument/2006/relationships" xmlns:p="http://schemas.openxmlformats.org/presentationml/2006/main">
-  <p:cSld>
-    <p:spTree>
-      <p:nvGrpSpPr>
-        <p:cNvPr id="1" name=""/>
-        <p:cNvGrpSpPr/>
-        <p:nvPr/>
-      </p:nvGrpSpPr>
-      <p:grpSpPr>
-        <a:xfrm>
-          <a:off x="0" y="0"/>
-          <a:ext cx="0" cy="0"/>
-          <a:chOff x="0" y="0"/>
-          <a:chExt cx="0" cy="0"/>
-        </a:xfrm>
-      </p:grpSpPr>
-      <p:grpSp>
-        <p:nvGrpSpPr>
-          <p:cNvPr id="2" name="그룹 1">
-            <a:extLst>
-              <a:ext uri="{FF2B5EF4-FFF2-40B4-BE49-F238E27FC236}">
-                <a16:creationId xmlns:a16="http://schemas.microsoft.com/office/drawing/2014/main" id="{B26849C9-4885-4F0C-BBB5-EC9901B6A70F}"/>
-              </a:ext>
-            </a:extLst>
-          </p:cNvPr>
-          <p:cNvGrpSpPr/>
-          <p:nvPr/>
-        </p:nvGrpSpPr>
-        <p:grpSpPr>
-          <a:xfrm>
-            <a:off x="856859" y="116632"/>
-            <a:ext cx="11802127" cy="765799"/>
-            <a:chOff x="746867" y="116632"/>
-            <a:chExt cx="8638971" cy="765799"/>
-          </a:xfrm>
-        </p:grpSpPr>
-        <p:sp>
-          <p:nvSpPr>
-            <p:cNvPr id="3" name="직사각형 2">
-              <a:extLst>
-                <a:ext uri="{FF2B5EF4-FFF2-40B4-BE49-F238E27FC236}">
-                  <a16:creationId xmlns:a16="http://schemas.microsoft.com/office/drawing/2014/main" id="{9F2D8330-BD74-43B3-B7E7-B36C9C7FE6C0}"/>
-                </a:ext>
-              </a:extLst>
-            </p:cNvPr>
-            <p:cNvSpPr/>
-            <p:nvPr/>
-          </p:nvSpPr>
-          <p:spPr>
-            <a:xfrm>
-              <a:off x="755575" y="188640"/>
-              <a:ext cx="8289629" cy="648072"/>
-            </a:xfrm>
-            <a:prstGeom prst="rect">
-              <a:avLst/>
-            </a:prstGeom>
-            <a:ln>
-              <a:solidFill>
-                <a:schemeClr val="bg1"/>
-              </a:solidFill>
-            </a:ln>
-          </p:spPr>
-          <p:style>
-            <a:lnRef idx="2">
-              <a:schemeClr val="dk1"/>
-            </a:lnRef>
-            <a:fillRef idx="1">
-              <a:schemeClr val="lt1"/>
-            </a:fillRef>
-            <a:effectRef idx="0">
-              <a:schemeClr val="dk1"/>
-            </a:effectRef>
-            <a:fontRef idx="minor">
-              <a:schemeClr val="dk1"/>
-            </a:fontRef>
-          </p:style>
-          <p:txBody>
-            <a:bodyPr rtlCol="0" anchor="ctr"/>
-            <a:lstStyle/>
-            <a:p>
-              <a:pPr algn="ctr"/>
-              <a:endParaRPr lang="en-US" altLang="ko-KR" b="1" dirty="0"/>
-            </a:p>
-          </p:txBody>
-        </p:sp>
-        <p:sp>
-          <p:nvSpPr>
-            <p:cNvPr id="4" name="TextBox 3">
-              <a:extLst>
-                <a:ext uri="{FF2B5EF4-FFF2-40B4-BE49-F238E27FC236}">
-                  <a16:creationId xmlns:a16="http://schemas.microsoft.com/office/drawing/2014/main" id="{327DCDE5-501B-45CD-8D22-1C6760047075}"/>
-                </a:ext>
-              </a:extLst>
-            </p:cNvPr>
-            <p:cNvSpPr txBox="1"/>
-            <p:nvPr/>
-          </p:nvSpPr>
-          <p:spPr>
-            <a:xfrm>
-              <a:off x="755576" y="260648"/>
-              <a:ext cx="8630262" cy="523220"/>
-            </a:xfrm>
-            <a:prstGeom prst="rect">
-              <a:avLst/>
-            </a:prstGeom>
-            <a:noFill/>
-          </p:spPr>
-          <p:txBody>
-            <a:bodyPr wrap="square" rtlCol="0">
-              <a:spAutoFit/>
-            </a:bodyPr>
-            <a:lstStyle/>
-            <a:p>
-              <a:r>
-                <a:rPr lang="en-US" altLang="ko-KR" sz="2800" b="1" dirty="0"/>
-                <a:t>Experiments</a:t>
-              </a:r>
-              <a:endParaRPr lang="ko-KR" altLang="en-US" sz="2800" b="1" dirty="0"/>
-            </a:p>
-          </p:txBody>
-        </p:sp>
-        <p:grpSp>
-          <p:nvGrpSpPr>
-            <p:cNvPr id="5" name="그룹 21">
-              <a:extLst>
-                <a:ext uri="{FF2B5EF4-FFF2-40B4-BE49-F238E27FC236}">
-                  <a16:creationId xmlns:a16="http://schemas.microsoft.com/office/drawing/2014/main" id="{69619CC5-EE2E-4692-BEF6-D0ABE865652B}"/>
-                </a:ext>
-              </a:extLst>
-            </p:cNvPr>
-            <p:cNvGrpSpPr/>
-            <p:nvPr/>
-          </p:nvGrpSpPr>
-          <p:grpSpPr>
-            <a:xfrm>
-              <a:off x="746867" y="116632"/>
-              <a:ext cx="8324465" cy="765799"/>
-              <a:chOff x="746867" y="116632"/>
-              <a:chExt cx="8324465" cy="765799"/>
-            </a:xfrm>
-            <a:solidFill>
-              <a:srgbClr val="58378D"/>
-            </a:solidFill>
-          </p:grpSpPr>
-          <p:sp>
-            <p:nvSpPr>
-              <p:cNvPr id="6" name="직사각형 5">
-                <a:extLst>
-                  <a:ext uri="{FF2B5EF4-FFF2-40B4-BE49-F238E27FC236}">
-                    <a16:creationId xmlns:a16="http://schemas.microsoft.com/office/drawing/2014/main" id="{5A4CCB74-128E-44F5-891F-C51BE31122C7}"/>
-                  </a:ext>
-                </a:extLst>
-              </p:cNvPr>
-              <p:cNvSpPr/>
-              <p:nvPr/>
-            </p:nvSpPr>
-            <p:spPr>
-              <a:xfrm>
-                <a:off x="746867" y="116632"/>
-                <a:ext cx="8307046" cy="89426"/>
-              </a:xfrm>
-              <a:prstGeom prst="rect">
-                <a:avLst/>
-              </a:prstGeom>
-              <a:grpFill/>
-              <a:ln>
-                <a:noFill/>
-              </a:ln>
-            </p:spPr>
-            <p:style>
-              <a:lnRef idx="2">
-                <a:schemeClr val="accent1">
-                  <a:shade val="50000"/>
-                </a:schemeClr>
-              </a:lnRef>
-              <a:fillRef idx="1">
-                <a:schemeClr val="accent1"/>
-              </a:fillRef>
-              <a:effectRef idx="0">
-                <a:schemeClr val="accent1"/>
-              </a:effectRef>
-              <a:fontRef idx="minor">
-                <a:schemeClr val="lt1"/>
-              </a:fontRef>
-            </p:style>
-            <p:txBody>
-              <a:bodyPr rtlCol="0" anchor="ctr"/>
-              <a:lstStyle/>
-              <a:p>
-                <a:pPr algn="ctr"/>
-                <a:endParaRPr lang="ko-KR" altLang="en-US"/>
-              </a:p>
-            </p:txBody>
-          </p:sp>
-          <p:sp>
-            <p:nvSpPr>
-              <p:cNvPr id="7" name="직사각형 6">
-                <a:extLst>
-                  <a:ext uri="{FF2B5EF4-FFF2-40B4-BE49-F238E27FC236}">
-                    <a16:creationId xmlns:a16="http://schemas.microsoft.com/office/drawing/2014/main" id="{2139653F-141E-4C55-B1BC-2984F6B25D93}"/>
-                  </a:ext>
-                </a:extLst>
-              </p:cNvPr>
-              <p:cNvSpPr/>
-              <p:nvPr/>
-            </p:nvSpPr>
-            <p:spPr>
-              <a:xfrm>
-                <a:off x="755576" y="836712"/>
-                <a:ext cx="8315756" cy="45719"/>
-              </a:xfrm>
-              <a:prstGeom prst="rect">
-                <a:avLst/>
-              </a:prstGeom>
-              <a:grpFill/>
-              <a:ln>
-                <a:noFill/>
-              </a:ln>
-            </p:spPr>
-            <p:style>
-              <a:lnRef idx="2">
-                <a:schemeClr val="accent1">
-                  <a:shade val="50000"/>
-                </a:schemeClr>
-              </a:lnRef>
-              <a:fillRef idx="1">
-                <a:schemeClr val="accent1"/>
-              </a:fillRef>
-              <a:effectRef idx="0">
-                <a:schemeClr val="accent1"/>
-              </a:effectRef>
-              <a:fontRef idx="minor">
-                <a:schemeClr val="lt1"/>
-              </a:fontRef>
-            </p:style>
-            <p:txBody>
-              <a:bodyPr rtlCol="0" anchor="ctr"/>
-              <a:lstStyle/>
-              <a:p>
-                <a:pPr algn="ctr"/>
-                <a:endParaRPr lang="ko-KR" altLang="en-US"/>
-              </a:p>
-            </p:txBody>
-          </p:sp>
-        </p:grpSp>
-      </p:grpSp>
-      <mc:AlternateContent xmlns:mc="http://schemas.openxmlformats.org/markup-compatibility/2006">
-        <mc:Choice xmlns:a14="http://schemas.microsoft.com/office/drawing/2010/main" Requires="a14">
-          <p:sp>
-            <p:nvSpPr>
-              <p:cNvPr id="11" name="TextBox 10">
-                <a:extLst>
-                  <a:ext uri="{FF2B5EF4-FFF2-40B4-BE49-F238E27FC236}">
-                    <a16:creationId xmlns:a16="http://schemas.microsoft.com/office/drawing/2014/main" id="{3963206E-8484-43ED-B313-C9B16A523821}"/>
-                  </a:ext>
-                </a:extLst>
-              </p:cNvPr>
-              <p:cNvSpPr txBox="1"/>
-              <p:nvPr/>
-            </p:nvSpPr>
-            <p:spPr>
-              <a:xfrm>
-                <a:off x="868755" y="1038225"/>
-                <a:ext cx="7381875" cy="533544"/>
-              </a:xfrm>
-              <a:prstGeom prst="rect">
-                <a:avLst/>
-              </a:prstGeom>
-              <a:noFill/>
-            </p:spPr>
-            <p:txBody>
-              <a:bodyPr wrap="square" rtlCol="0">
-                <a:spAutoFit/>
-              </a:bodyPr>
-              <a:lstStyle/>
-              <a:p>
-                <a:r>
-                  <a:rPr lang="en-US" altLang="ko-KR" b="1" dirty="0"/>
-                  <a:t>3. Rate </a:t>
-                </a:r>
-                <a:r>
-                  <a:rPr lang="en-US" altLang="ko-KR" b="1"/>
-                  <a:t>of change </a:t>
-                </a:r>
-                <a:r>
-                  <a:rPr lang="en-US" altLang="ko-KR" b="1" dirty="0"/>
-                  <a:t>dataset </a:t>
-                </a:r>
-                <a14:m>
-                  <m:oMath xmlns:m="http://schemas.openxmlformats.org/officeDocument/2006/math">
-                    <m:r>
-                      <a:rPr lang="en-US" altLang="ko-KR" b="1" i="1" smtClean="0">
-                        <a:latin typeface="Cambria Math" panose="02040503050406030204" pitchFamily="18" charset="0"/>
-                      </a:rPr>
-                      <m:t>(</m:t>
-                    </m:r>
-                    <m:r>
-                      <a:rPr lang="en-US" altLang="ko-KR" b="1" i="1" smtClean="0">
-                        <a:latin typeface="Cambria Math" panose="02040503050406030204" pitchFamily="18" charset="0"/>
-                      </a:rPr>
-                      <m:t>𝒀</m:t>
-                    </m:r>
-                    <m:r>
-                      <a:rPr lang="en-US" altLang="ko-KR" b="1" i="1" smtClean="0">
-                        <a:latin typeface="Cambria Math" panose="02040503050406030204" pitchFamily="18" charset="0"/>
-                      </a:rPr>
-                      <m:t>=</m:t>
-                    </m:r>
-                    <m:f>
-                      <m:fPr>
-                        <m:ctrlPr>
-                          <a:rPr lang="en-US" altLang="ko-KR" b="1" i="1" smtClean="0">
-                            <a:latin typeface="Cambria Math" panose="02040503050406030204" pitchFamily="18" charset="0"/>
-                          </a:rPr>
-                        </m:ctrlPr>
-                      </m:fPr>
-                      <m:num>
-                        <m:r>
-                          <a:rPr lang="en-US" altLang="ko-KR" b="1" i="1" smtClean="0">
-                            <a:latin typeface="Cambria Math" panose="02040503050406030204" pitchFamily="18" charset="0"/>
-                          </a:rPr>
-                          <m:t>𝑷</m:t>
-                        </m:r>
-                        <m:d>
-                          <m:dPr>
-                            <m:ctrlPr>
-                              <a:rPr lang="en-US" altLang="ko-KR" b="1" i="1" smtClean="0">
-                                <a:latin typeface="Cambria Math" panose="02040503050406030204" pitchFamily="18" charset="0"/>
-                              </a:rPr>
-                            </m:ctrlPr>
-                          </m:dPr>
-                          <m:e>
-                            <m:r>
-                              <a:rPr lang="en-US" altLang="ko-KR" b="1" i="1" smtClean="0">
-                                <a:latin typeface="Cambria Math" panose="02040503050406030204" pitchFamily="18" charset="0"/>
-                              </a:rPr>
-                              <m:t>𝒕</m:t>
-                            </m:r>
-                          </m:e>
-                        </m:d>
-                        <m:r>
-                          <a:rPr lang="en-US" altLang="ko-KR" b="1" i="1" smtClean="0">
-                            <a:latin typeface="Cambria Math" panose="02040503050406030204" pitchFamily="18" charset="0"/>
-                          </a:rPr>
-                          <m:t>−</m:t>
-                        </m:r>
-                        <m:r>
-                          <a:rPr lang="en-US" altLang="ko-KR" b="1" i="1" smtClean="0">
-                            <a:latin typeface="Cambria Math" panose="02040503050406030204" pitchFamily="18" charset="0"/>
-                          </a:rPr>
-                          <m:t>𝑷</m:t>
-                        </m:r>
-                        <m:d>
-                          <m:dPr>
-                            <m:ctrlPr>
-                              <a:rPr lang="en-US" altLang="ko-KR" b="1" i="1" smtClean="0">
-                                <a:latin typeface="Cambria Math" panose="02040503050406030204" pitchFamily="18" charset="0"/>
-                              </a:rPr>
-                            </m:ctrlPr>
-                          </m:dPr>
-                          <m:e>
-                            <m:r>
-                              <a:rPr lang="en-US" altLang="ko-KR" b="1" i="1" smtClean="0">
-                                <a:latin typeface="Cambria Math" panose="02040503050406030204" pitchFamily="18" charset="0"/>
-                              </a:rPr>
-                              <m:t>𝒕</m:t>
-                            </m:r>
-                            <m:r>
-                              <a:rPr lang="en-US" altLang="ko-KR" b="1" i="1" smtClean="0">
-                                <a:latin typeface="Cambria Math" panose="02040503050406030204" pitchFamily="18" charset="0"/>
-                              </a:rPr>
-                              <m:t>−</m:t>
-                            </m:r>
-                            <m:r>
-                              <a:rPr lang="en-US" altLang="ko-KR" b="1" i="1" smtClean="0">
-                                <a:latin typeface="Cambria Math" panose="02040503050406030204" pitchFamily="18" charset="0"/>
-                              </a:rPr>
-                              <m:t>𝟏</m:t>
-                            </m:r>
-                          </m:e>
-                        </m:d>
-                      </m:num>
-                      <m:den>
-                        <m:r>
-                          <a:rPr lang="en-US" altLang="ko-KR" b="1" i="1" smtClean="0">
-                            <a:latin typeface="Cambria Math" panose="02040503050406030204" pitchFamily="18" charset="0"/>
-                          </a:rPr>
-                          <m:t>𝑷</m:t>
-                        </m:r>
-                        <m:d>
-                          <m:dPr>
-                            <m:ctrlPr>
-                              <a:rPr lang="en-US" altLang="ko-KR" b="1" i="1" smtClean="0">
-                                <a:latin typeface="Cambria Math" panose="02040503050406030204" pitchFamily="18" charset="0"/>
-                              </a:rPr>
-                            </m:ctrlPr>
-                          </m:dPr>
-                          <m:e>
-                            <m:r>
-                              <a:rPr lang="en-US" altLang="ko-KR" b="1" i="1" smtClean="0">
-                                <a:latin typeface="Cambria Math" panose="02040503050406030204" pitchFamily="18" charset="0"/>
-                              </a:rPr>
-                              <m:t>𝒕</m:t>
-                            </m:r>
-                            <m:r>
-                              <a:rPr lang="en-US" altLang="ko-KR" b="1" i="1" smtClean="0">
-                                <a:latin typeface="Cambria Math" panose="02040503050406030204" pitchFamily="18" charset="0"/>
-                              </a:rPr>
-                              <m:t>−</m:t>
-                            </m:r>
-                            <m:r>
-                              <a:rPr lang="en-US" altLang="ko-KR" b="1" i="1" smtClean="0">
-                                <a:latin typeface="Cambria Math" panose="02040503050406030204" pitchFamily="18" charset="0"/>
-                              </a:rPr>
-                              <m:t>𝟏</m:t>
-                            </m:r>
-                          </m:e>
-                        </m:d>
-                      </m:den>
-                    </m:f>
-                    <m:r>
-                      <a:rPr lang="en-US" altLang="ko-KR" b="1" i="1" smtClean="0">
-                        <a:latin typeface="Cambria Math" panose="02040503050406030204" pitchFamily="18" charset="0"/>
-                      </a:rPr>
-                      <m:t>)</m:t>
-                    </m:r>
-                  </m:oMath>
-                </a14:m>
-                <a:endParaRPr lang="ko-KR" altLang="en-US" b="1" dirty="0"/>
-              </a:p>
-            </p:txBody>
-          </p:sp>
-        </mc:Choice>
-        <mc:Fallback>
-          <p:sp>
-            <p:nvSpPr>
-              <p:cNvPr id="11" name="TextBox 10">
-                <a:extLst>
-                  <a:ext uri="{FF2B5EF4-FFF2-40B4-BE49-F238E27FC236}">
-                    <a16:creationId xmlns:a16="http://schemas.microsoft.com/office/drawing/2014/main" id="{3963206E-8484-43ED-B313-C9B16A523821}"/>
-                  </a:ext>
-                </a:extLst>
-              </p:cNvPr>
-              <p:cNvSpPr txBox="1">
-                <a:spLocks noRot="1" noChangeAspect="1" noMove="1" noResize="1" noEditPoints="1" noAdjustHandles="1" noChangeArrowheads="1" noChangeShapeType="1" noTextEdit="1"/>
-              </p:cNvSpPr>
-              <p:nvPr/>
-            </p:nvSpPr>
-            <p:spPr>
-              <a:xfrm>
-                <a:off x="868755" y="1038225"/>
-                <a:ext cx="7381875" cy="533544"/>
-              </a:xfrm>
-              <a:prstGeom prst="rect">
-                <a:avLst/>
-              </a:prstGeom>
-              <a:blipFill>
-                <a:blip r:embed="rId3"/>
-                <a:stretch>
-                  <a:fillRect l="-744"/>
-                </a:stretch>
-              </a:blipFill>
-            </p:spPr>
-            <p:txBody>
-              <a:bodyPr/>
-              <a:lstStyle/>
-              <a:p>
-                <a:r>
-                  <a:rPr lang="ko-KR" altLang="en-US">
-                    <a:noFill/>
-                  </a:rPr>
-                  <a:t> </a:t>
-                </a:r>
-              </a:p>
-            </p:txBody>
-          </p:sp>
-        </mc:Fallback>
-      </mc:AlternateContent>
-      <p:pic>
-        <p:nvPicPr>
-          <p:cNvPr id="10" name="그림 9">
-            <a:extLst>
-              <a:ext uri="{FF2B5EF4-FFF2-40B4-BE49-F238E27FC236}">
-                <a16:creationId xmlns:a16="http://schemas.microsoft.com/office/drawing/2014/main" id="{AA4AB5AD-ECCC-4D8A-B8A3-54F289151CE8}"/>
-              </a:ext>
-            </a:extLst>
-          </p:cNvPr>
-          <p:cNvPicPr>
-            <a:picLocks noChangeAspect="1"/>
-          </p:cNvPicPr>
-          <p:nvPr/>
-        </p:nvPicPr>
-        <p:blipFill rotWithShape="1">
-          <a:blip r:embed="rId4">
-            <a:extLst>
-              <a:ext uri="{28A0092B-C50C-407E-A947-70E740481C1C}">
-                <a14:useLocalDpi xmlns:a14="http://schemas.microsoft.com/office/drawing/2010/main" val="0"/>
-              </a:ext>
-            </a:extLst>
-          </a:blip>
-          <a:srcRect l="11466" t="14646" r="5866" b="17852"/>
-          <a:stretch/>
-        </p:blipFill>
-        <p:spPr>
-          <a:xfrm>
-            <a:off x="145444" y="1773282"/>
-            <a:ext cx="6150582" cy="3699527"/>
-          </a:xfrm>
-          <a:prstGeom prst="rect">
-            <a:avLst/>
-          </a:prstGeom>
-          <a:ln w="28575">
-            <a:solidFill>
-              <a:schemeClr val="bg2">
-                <a:lumMod val="50000"/>
-              </a:schemeClr>
-            </a:solidFill>
-          </a:ln>
-        </p:spPr>
-      </p:pic>
-      <p:pic>
-        <p:nvPicPr>
-          <p:cNvPr id="14" name="그림 13">
-            <a:extLst>
-              <a:ext uri="{FF2B5EF4-FFF2-40B4-BE49-F238E27FC236}">
-                <a16:creationId xmlns:a16="http://schemas.microsoft.com/office/drawing/2014/main" id="{5090B3ED-85B1-48A8-B535-D23CF0C3FE50}"/>
-              </a:ext>
-            </a:extLst>
-          </p:cNvPr>
-          <p:cNvPicPr>
-            <a:picLocks noChangeAspect="1"/>
-          </p:cNvPicPr>
-          <p:nvPr/>
-        </p:nvPicPr>
-        <p:blipFill rotWithShape="1">
-          <a:blip r:embed="rId5">
-            <a:extLst>
-              <a:ext uri="{28A0092B-C50C-407E-A947-70E740481C1C}">
-                <a14:useLocalDpi xmlns:a14="http://schemas.microsoft.com/office/drawing/2010/main" val="0"/>
-              </a:ext>
-            </a:extLst>
-          </a:blip>
-          <a:srcRect r="4154" b="17349"/>
-          <a:stretch/>
-        </p:blipFill>
-        <p:spPr>
-          <a:xfrm>
-            <a:off x="6305552" y="1773282"/>
-            <a:ext cx="5845802" cy="3713356"/>
-          </a:xfrm>
-          <a:prstGeom prst="rect">
-            <a:avLst/>
-          </a:prstGeom>
-          <a:ln w="28575">
-            <a:solidFill>
-              <a:schemeClr val="bg2">
-                <a:lumMod val="50000"/>
-              </a:schemeClr>
-            </a:solidFill>
-          </a:ln>
-        </p:spPr>
-      </p:pic>
-    </p:spTree>
-    <p:extLst>
-      <p:ext uri="{BB962C8B-B14F-4D97-AF65-F5344CB8AC3E}">
-        <p14:creationId xmlns:p14="http://schemas.microsoft.com/office/powerpoint/2010/main" val="2154457266"/>
+        <p14:creationId xmlns:p14="http://schemas.microsoft.com/office/powerpoint/2010/main" val="1907535552"/>
       </p:ext>
     </p:extLst>
   </p:cSld>
